--- a/doc/FramworkDesign.pptx
+++ b/doc/FramworkDesign.pptx
@@ -8,6 +8,8 @@
     <p:sldId id="256" r:id="rId2"/>
     <p:sldId id="257" r:id="rId3"/>
     <p:sldId id="259" r:id="rId4"/>
+    <p:sldId id="260" r:id="rId5"/>
+    <p:sldId id="261" r:id="rId6"/>
   </p:sldIdLst>
   <p:sldSz cx="12192000" cy="6858000"/>
   <p:notesSz cx="6858000" cy="9144000"/>
@@ -245,7 +247,7 @@
           <a:p>
             <a:fld id="{465E02F3-C158-4F08-9ACA-854467DE1800}" type="datetimeFigureOut">
               <a:rPr lang="zh-CN" altLang="en-US" smtClean="0"/>
-              <a:t>2017/9/16</a:t>
+              <a:t>2017/11/24</a:t>
             </a:fld>
             <a:endParaRPr lang="zh-CN" altLang="en-US"/>
           </a:p>
@@ -415,7 +417,7 @@
           <a:p>
             <a:fld id="{465E02F3-C158-4F08-9ACA-854467DE1800}" type="datetimeFigureOut">
               <a:rPr lang="zh-CN" altLang="en-US" smtClean="0"/>
-              <a:t>2017/9/16</a:t>
+              <a:t>2017/11/24</a:t>
             </a:fld>
             <a:endParaRPr lang="zh-CN" altLang="en-US"/>
           </a:p>
@@ -595,7 +597,7 @@
           <a:p>
             <a:fld id="{465E02F3-C158-4F08-9ACA-854467DE1800}" type="datetimeFigureOut">
               <a:rPr lang="zh-CN" altLang="en-US" smtClean="0"/>
-              <a:t>2017/9/16</a:t>
+              <a:t>2017/11/24</a:t>
             </a:fld>
             <a:endParaRPr lang="zh-CN" altLang="en-US"/>
           </a:p>
@@ -765,7 +767,7 @@
           <a:p>
             <a:fld id="{465E02F3-C158-4F08-9ACA-854467DE1800}" type="datetimeFigureOut">
               <a:rPr lang="zh-CN" altLang="en-US" smtClean="0"/>
-              <a:t>2017/9/16</a:t>
+              <a:t>2017/11/24</a:t>
             </a:fld>
             <a:endParaRPr lang="zh-CN" altLang="en-US"/>
           </a:p>
@@ -1011,7 +1013,7 @@
           <a:p>
             <a:fld id="{465E02F3-C158-4F08-9ACA-854467DE1800}" type="datetimeFigureOut">
               <a:rPr lang="zh-CN" altLang="en-US" smtClean="0"/>
-              <a:t>2017/9/16</a:t>
+              <a:t>2017/11/24</a:t>
             </a:fld>
             <a:endParaRPr lang="zh-CN" altLang="en-US"/>
           </a:p>
@@ -1243,7 +1245,7 @@
           <a:p>
             <a:fld id="{465E02F3-C158-4F08-9ACA-854467DE1800}" type="datetimeFigureOut">
               <a:rPr lang="zh-CN" altLang="en-US" smtClean="0"/>
-              <a:t>2017/9/16</a:t>
+              <a:t>2017/11/24</a:t>
             </a:fld>
             <a:endParaRPr lang="zh-CN" altLang="en-US"/>
           </a:p>
@@ -1610,7 +1612,7 @@
           <a:p>
             <a:fld id="{465E02F3-C158-4F08-9ACA-854467DE1800}" type="datetimeFigureOut">
               <a:rPr lang="zh-CN" altLang="en-US" smtClean="0"/>
-              <a:t>2017/9/16</a:t>
+              <a:t>2017/11/24</a:t>
             </a:fld>
             <a:endParaRPr lang="zh-CN" altLang="en-US"/>
           </a:p>
@@ -1728,7 +1730,7 @@
           <a:p>
             <a:fld id="{465E02F3-C158-4F08-9ACA-854467DE1800}" type="datetimeFigureOut">
               <a:rPr lang="zh-CN" altLang="en-US" smtClean="0"/>
-              <a:t>2017/9/16</a:t>
+              <a:t>2017/11/24</a:t>
             </a:fld>
             <a:endParaRPr lang="zh-CN" altLang="en-US"/>
           </a:p>
@@ -1823,7 +1825,7 @@
           <a:p>
             <a:fld id="{465E02F3-C158-4F08-9ACA-854467DE1800}" type="datetimeFigureOut">
               <a:rPr lang="zh-CN" altLang="en-US" smtClean="0"/>
-              <a:t>2017/9/16</a:t>
+              <a:t>2017/11/24</a:t>
             </a:fld>
             <a:endParaRPr lang="zh-CN" altLang="en-US"/>
           </a:p>
@@ -2100,7 +2102,7 @@
           <a:p>
             <a:fld id="{465E02F3-C158-4F08-9ACA-854467DE1800}" type="datetimeFigureOut">
               <a:rPr lang="zh-CN" altLang="en-US" smtClean="0"/>
-              <a:t>2017/9/16</a:t>
+              <a:t>2017/11/24</a:t>
             </a:fld>
             <a:endParaRPr lang="zh-CN" altLang="en-US"/>
           </a:p>
@@ -2353,7 +2355,7 @@
           <a:p>
             <a:fld id="{465E02F3-C158-4F08-9ACA-854467DE1800}" type="datetimeFigureOut">
               <a:rPr lang="zh-CN" altLang="en-US" smtClean="0"/>
-              <a:t>2017/9/16</a:t>
+              <a:t>2017/11/24</a:t>
             </a:fld>
             <a:endParaRPr lang="zh-CN" altLang="en-US"/>
           </a:p>
@@ -2566,7 +2568,7 @@
           <a:p>
             <a:fld id="{465E02F3-C158-4F08-9ACA-854467DE1800}" type="datetimeFigureOut">
               <a:rPr lang="zh-CN" altLang="en-US" smtClean="0"/>
-              <a:t>2017/9/16</a:t>
+              <a:t>2017/11/24</a:t>
             </a:fld>
             <a:endParaRPr lang="zh-CN" altLang="en-US"/>
           </a:p>
@@ -5356,6 +5358,1270 @@
 </p:sld>
 </file>
 
+<file path=ppt/slides/slide4.xml><?xml version="1.0" encoding="utf-8"?>
+<p:sld xmlns:a="http://schemas.openxmlformats.org/drawingml/2006/main" xmlns:r="http://schemas.openxmlformats.org/officeDocument/2006/relationships" xmlns:p="http://schemas.openxmlformats.org/presentationml/2006/main">
+  <p:cSld>
+    <p:spTree>
+      <p:nvGrpSpPr>
+        <p:cNvPr id="1" name=""/>
+        <p:cNvGrpSpPr/>
+        <p:nvPr/>
+      </p:nvGrpSpPr>
+      <p:grpSpPr>
+        <a:xfrm>
+          <a:off x="0" y="0"/>
+          <a:ext cx="0" cy="0"/>
+          <a:chOff x="0" y="0"/>
+          <a:chExt cx="0" cy="0"/>
+        </a:xfrm>
+      </p:grpSpPr>
+      <p:sp>
+        <p:nvSpPr>
+          <p:cNvPr id="4" name="椭圆 3"/>
+          <p:cNvSpPr/>
+          <p:nvPr/>
+        </p:nvSpPr>
+        <p:spPr>
+          <a:xfrm>
+            <a:off x="715224" y="1973655"/>
+            <a:ext cx="1213164" cy="769544"/>
+          </a:xfrm>
+          <a:prstGeom prst="ellipse">
+            <a:avLst/>
+          </a:prstGeom>
+        </p:spPr>
+        <p:style>
+          <a:lnRef idx="2">
+            <a:schemeClr val="accent1">
+              <a:shade val="50000"/>
+            </a:schemeClr>
+          </a:lnRef>
+          <a:fillRef idx="1">
+            <a:schemeClr val="accent1"/>
+          </a:fillRef>
+          <a:effectRef idx="0">
+            <a:schemeClr val="accent1"/>
+          </a:effectRef>
+          <a:fontRef idx="minor">
+            <a:schemeClr val="lt1"/>
+          </a:fontRef>
+        </p:style>
+        <p:txBody>
+          <a:bodyPr rtlCol="0" anchor="ctr"/>
+          <a:lstStyle/>
+          <a:p>
+            <a:pPr algn="ctr"/>
+            <a:r>
+              <a:rPr lang="en-US" altLang="zh-CN" sz="1400" dirty="0" err="1" smtClean="0"/>
+              <a:t>CameraMan</a:t>
+            </a:r>
+            <a:r>
+              <a:rPr lang="en-US" altLang="zh-CN" sz="1400" dirty="0" err="1" smtClean="0"/>
+              <a:t>a</a:t>
+            </a:r>
+            <a:r>
+              <a:rPr lang="en-US" altLang="zh-CN" sz="1400" dirty="0" err="1" smtClean="0"/>
+              <a:t>ger</a:t>
+            </a:r>
+            <a:endParaRPr lang="zh-CN" altLang="en-US" sz="1400" dirty="0"/>
+          </a:p>
+        </p:txBody>
+      </p:sp>
+      <p:sp>
+        <p:nvSpPr>
+          <p:cNvPr id="5" name="圆角矩形 4"/>
+          <p:cNvSpPr/>
+          <p:nvPr/>
+        </p:nvSpPr>
+        <p:spPr>
+          <a:xfrm>
+            <a:off x="2697933" y="1937441"/>
+            <a:ext cx="1692998" cy="805758"/>
+          </a:xfrm>
+          <a:prstGeom prst="roundRect">
+            <a:avLst/>
+          </a:prstGeom>
+        </p:spPr>
+        <p:style>
+          <a:lnRef idx="2">
+            <a:schemeClr val="accent1">
+              <a:shade val="50000"/>
+            </a:schemeClr>
+          </a:lnRef>
+          <a:fillRef idx="1">
+            <a:schemeClr val="accent1"/>
+          </a:fillRef>
+          <a:effectRef idx="0">
+            <a:schemeClr val="accent1"/>
+          </a:effectRef>
+          <a:fontRef idx="minor">
+            <a:schemeClr val="lt1"/>
+          </a:fontRef>
+        </p:style>
+        <p:txBody>
+          <a:bodyPr rtlCol="0" anchor="ctr"/>
+          <a:lstStyle/>
+          <a:p>
+            <a:pPr algn="ctr"/>
+            <a:r>
+              <a:rPr lang="en-US" altLang="zh-CN" dirty="0" err="1" smtClean="0"/>
+              <a:t>CameraCharacteristics</a:t>
+            </a:r>
+            <a:endParaRPr lang="zh-CN" altLang="en-US" dirty="0"/>
+          </a:p>
+        </p:txBody>
+      </p:sp>
+      <p:sp>
+        <p:nvSpPr>
+          <p:cNvPr id="10" name="圆角矩形 9"/>
+          <p:cNvSpPr/>
+          <p:nvPr/>
+        </p:nvSpPr>
+        <p:spPr>
+          <a:xfrm>
+            <a:off x="5160476" y="1937441"/>
+            <a:ext cx="1692998" cy="805758"/>
+          </a:xfrm>
+          <a:prstGeom prst="roundRect">
+            <a:avLst/>
+          </a:prstGeom>
+        </p:spPr>
+        <p:style>
+          <a:lnRef idx="2">
+            <a:schemeClr val="accent1">
+              <a:shade val="50000"/>
+            </a:schemeClr>
+          </a:lnRef>
+          <a:fillRef idx="1">
+            <a:schemeClr val="accent1"/>
+          </a:fillRef>
+          <a:effectRef idx="0">
+            <a:schemeClr val="accent1"/>
+          </a:effectRef>
+          <a:fontRef idx="minor">
+            <a:schemeClr val="lt1"/>
+          </a:fontRef>
+        </p:style>
+        <p:txBody>
+          <a:bodyPr rtlCol="0" anchor="ctr"/>
+          <a:lstStyle/>
+          <a:p>
+            <a:pPr algn="ctr"/>
+            <a:r>
+              <a:rPr lang="en-US" altLang="zh-CN" dirty="0" err="1" smtClean="0"/>
+              <a:t>CameraCharacteristicsParser</a:t>
+            </a:r>
+            <a:endParaRPr lang="en-US" altLang="zh-CN" dirty="0" smtClean="0"/>
+          </a:p>
+        </p:txBody>
+      </p:sp>
+      <p:cxnSp>
+        <p:nvCxnSpPr>
+          <p:cNvPr id="12" name="直接箭头连接符 11"/>
+          <p:cNvCxnSpPr>
+            <a:stCxn id="4" idx="6"/>
+            <a:endCxn id="5" idx="1"/>
+          </p:cNvCxnSpPr>
+          <p:nvPr/>
+        </p:nvCxnSpPr>
+        <p:spPr>
+          <a:xfrm flipV="1">
+            <a:off x="1928388" y="2340320"/>
+            <a:ext cx="769545" cy="18107"/>
+          </a:xfrm>
+          <a:prstGeom prst="straightConnector1">
+            <a:avLst/>
+          </a:prstGeom>
+          <a:ln>
+            <a:tailEnd type="triangle"/>
+          </a:ln>
+        </p:spPr>
+        <p:style>
+          <a:lnRef idx="1">
+            <a:schemeClr val="accent1"/>
+          </a:lnRef>
+          <a:fillRef idx="0">
+            <a:schemeClr val="accent1"/>
+          </a:fillRef>
+          <a:effectRef idx="0">
+            <a:schemeClr val="accent1"/>
+          </a:effectRef>
+          <a:fontRef idx="minor">
+            <a:schemeClr val="tx1"/>
+          </a:fontRef>
+        </p:style>
+      </p:cxnSp>
+      <p:cxnSp>
+        <p:nvCxnSpPr>
+          <p:cNvPr id="14" name="直接箭头连接符 13"/>
+          <p:cNvCxnSpPr>
+            <a:stCxn id="5" idx="3"/>
+            <a:endCxn id="10" idx="1"/>
+          </p:cNvCxnSpPr>
+          <p:nvPr/>
+        </p:nvCxnSpPr>
+        <p:spPr>
+          <a:xfrm>
+            <a:off x="4390931" y="2340320"/>
+            <a:ext cx="769545" cy="0"/>
+          </a:xfrm>
+          <a:prstGeom prst="straightConnector1">
+            <a:avLst/>
+          </a:prstGeom>
+          <a:ln>
+            <a:tailEnd type="triangle"/>
+          </a:ln>
+        </p:spPr>
+        <p:style>
+          <a:lnRef idx="1">
+            <a:schemeClr val="accent1"/>
+          </a:lnRef>
+          <a:fillRef idx="0">
+            <a:schemeClr val="accent1"/>
+          </a:fillRef>
+          <a:effectRef idx="0">
+            <a:schemeClr val="accent1"/>
+          </a:effectRef>
+          <a:fontRef idx="minor">
+            <a:schemeClr val="tx1"/>
+          </a:fontRef>
+        </p:style>
+      </p:cxnSp>
+      <p:sp>
+        <p:nvSpPr>
+          <p:cNvPr id="16" name="圆角矩形 15"/>
+          <p:cNvSpPr/>
+          <p:nvPr/>
+        </p:nvSpPr>
+        <p:spPr>
+          <a:xfrm>
+            <a:off x="7541537" y="1937441"/>
+            <a:ext cx="1692998" cy="805758"/>
+          </a:xfrm>
+          <a:prstGeom prst="roundRect">
+            <a:avLst/>
+          </a:prstGeom>
+        </p:spPr>
+        <p:style>
+          <a:lnRef idx="2">
+            <a:schemeClr val="accent1">
+              <a:shade val="50000"/>
+            </a:schemeClr>
+          </a:lnRef>
+          <a:fillRef idx="1">
+            <a:schemeClr val="accent1"/>
+          </a:fillRef>
+          <a:effectRef idx="0">
+            <a:schemeClr val="accent1"/>
+          </a:effectRef>
+          <a:fontRef idx="minor">
+            <a:schemeClr val="lt1"/>
+          </a:fontRef>
+        </p:style>
+        <p:txBody>
+          <a:bodyPr rtlCol="0" anchor="ctr"/>
+          <a:lstStyle/>
+          <a:p>
+            <a:pPr algn="ctr"/>
+            <a:r>
+              <a:rPr lang="en-US" altLang="zh-CN" dirty="0" smtClean="0"/>
+              <a:t>UI update</a:t>
+            </a:r>
+          </a:p>
+        </p:txBody>
+      </p:sp>
+      <p:cxnSp>
+        <p:nvCxnSpPr>
+          <p:cNvPr id="18" name="直接箭头连接符 17"/>
+          <p:cNvCxnSpPr>
+            <a:stCxn id="10" idx="3"/>
+            <a:endCxn id="16" idx="1"/>
+          </p:cNvCxnSpPr>
+          <p:nvPr/>
+        </p:nvCxnSpPr>
+        <p:spPr>
+          <a:xfrm>
+            <a:off x="6853474" y="2340320"/>
+            <a:ext cx="688063" cy="0"/>
+          </a:xfrm>
+          <a:prstGeom prst="straightConnector1">
+            <a:avLst/>
+          </a:prstGeom>
+          <a:ln>
+            <a:tailEnd type="triangle"/>
+          </a:ln>
+        </p:spPr>
+        <p:style>
+          <a:lnRef idx="1">
+            <a:schemeClr val="accent1"/>
+          </a:lnRef>
+          <a:fillRef idx="0">
+            <a:schemeClr val="accent1"/>
+          </a:fillRef>
+          <a:effectRef idx="0">
+            <a:schemeClr val="accent1"/>
+          </a:effectRef>
+          <a:fontRef idx="minor">
+            <a:schemeClr val="tx1"/>
+          </a:fontRef>
+        </p:style>
+      </p:cxnSp>
+    </p:spTree>
+    <p:extLst>
+      <p:ext uri="{BB962C8B-B14F-4D97-AF65-F5344CB8AC3E}">
+        <p14:creationId xmlns:p14="http://schemas.microsoft.com/office/powerpoint/2010/main" val="1394330324"/>
+      </p:ext>
+    </p:extLst>
+  </p:cSld>
+  <p:clrMapOvr>
+    <a:masterClrMapping/>
+  </p:clrMapOvr>
+</p:sld>
+</file>
+
+<file path=ppt/slides/slide5.xml><?xml version="1.0" encoding="utf-8"?>
+<p:sld xmlns:a="http://schemas.openxmlformats.org/drawingml/2006/main" xmlns:r="http://schemas.openxmlformats.org/officeDocument/2006/relationships" xmlns:p="http://schemas.openxmlformats.org/presentationml/2006/main">
+  <p:cSld>
+    <p:spTree>
+      <p:nvGrpSpPr>
+        <p:cNvPr id="1" name=""/>
+        <p:cNvGrpSpPr/>
+        <p:nvPr/>
+      </p:nvGrpSpPr>
+      <p:grpSpPr>
+        <a:xfrm>
+          <a:off x="0" y="0"/>
+          <a:ext cx="0" cy="0"/>
+          <a:chOff x="0" y="0"/>
+          <a:chExt cx="0" cy="0"/>
+        </a:xfrm>
+      </p:grpSpPr>
+      <p:sp>
+        <p:nvSpPr>
+          <p:cNvPr id="4" name="圆角矩形 3"/>
+          <p:cNvSpPr/>
+          <p:nvPr/>
+        </p:nvSpPr>
+        <p:spPr>
+          <a:xfrm>
+            <a:off x="3485584" y="905346"/>
+            <a:ext cx="1747319" cy="588475"/>
+          </a:xfrm>
+          <a:prstGeom prst="roundRect">
+            <a:avLst/>
+          </a:prstGeom>
+        </p:spPr>
+        <p:style>
+          <a:lnRef idx="2">
+            <a:schemeClr val="accent1">
+              <a:shade val="50000"/>
+            </a:schemeClr>
+          </a:lnRef>
+          <a:fillRef idx="1">
+            <a:schemeClr val="accent1"/>
+          </a:fillRef>
+          <a:effectRef idx="0">
+            <a:schemeClr val="accent1"/>
+          </a:effectRef>
+          <a:fontRef idx="minor">
+            <a:schemeClr val="lt1"/>
+          </a:fontRef>
+        </p:style>
+        <p:txBody>
+          <a:bodyPr rtlCol="0" anchor="ctr"/>
+          <a:lstStyle/>
+          <a:p>
+            <a:pPr algn="ctr"/>
+            <a:r>
+              <a:rPr lang="zh-CN" altLang="en-US" sz="1200" dirty="0" smtClean="0">
+                <a:solidFill>
+                  <a:schemeClr val="bg1"/>
+                </a:solidFill>
+              </a:rPr>
+              <a:t>拍照</a:t>
+            </a:r>
+            <a:endParaRPr lang="en-US" altLang="zh-CN" sz="1200" dirty="0" smtClean="0">
+              <a:solidFill>
+                <a:schemeClr val="bg1"/>
+              </a:solidFill>
+            </a:endParaRPr>
+          </a:p>
+          <a:p>
+            <a:pPr algn="ctr"/>
+            <a:r>
+              <a:rPr lang="en-US" altLang="zh-CN" sz="1200" dirty="0" err="1">
+                <a:solidFill>
+                  <a:schemeClr val="bg1"/>
+                </a:solidFill>
+              </a:rPr>
+              <a:t>createCaptureSession</a:t>
+            </a:r>
+            <a:endParaRPr lang="en-US" altLang="zh-CN" sz="1200" dirty="0" smtClean="0">
+              <a:solidFill>
+                <a:schemeClr val="bg1"/>
+              </a:solidFill>
+            </a:endParaRPr>
+          </a:p>
+        </p:txBody>
+      </p:sp>
+      <p:sp>
+        <p:nvSpPr>
+          <p:cNvPr id="5" name="圆角矩形 4"/>
+          <p:cNvSpPr/>
+          <p:nvPr/>
+        </p:nvSpPr>
+        <p:spPr>
+          <a:xfrm>
+            <a:off x="3485584" y="1702051"/>
+            <a:ext cx="1747319" cy="588475"/>
+          </a:xfrm>
+          <a:prstGeom prst="roundRect">
+            <a:avLst/>
+          </a:prstGeom>
+        </p:spPr>
+        <p:style>
+          <a:lnRef idx="2">
+            <a:schemeClr val="accent1">
+              <a:shade val="50000"/>
+            </a:schemeClr>
+          </a:lnRef>
+          <a:fillRef idx="1">
+            <a:schemeClr val="accent1"/>
+          </a:fillRef>
+          <a:effectRef idx="0">
+            <a:schemeClr val="accent1"/>
+          </a:effectRef>
+          <a:fontRef idx="minor">
+            <a:schemeClr val="lt1"/>
+          </a:fontRef>
+        </p:style>
+        <p:txBody>
+          <a:bodyPr rtlCol="0" anchor="ctr"/>
+          <a:lstStyle/>
+          <a:p>
+            <a:pPr algn="ctr"/>
+            <a:r>
+              <a:rPr lang="zh-CN" altLang="en-US" dirty="0" smtClean="0"/>
+              <a:t>录像</a:t>
+            </a:r>
+            <a:endParaRPr lang="en-US" altLang="zh-CN" dirty="0" smtClean="0"/>
+          </a:p>
+        </p:txBody>
+      </p:sp>
+      <p:sp>
+        <p:nvSpPr>
+          <p:cNvPr id="6" name="圆角矩形 5"/>
+          <p:cNvSpPr/>
+          <p:nvPr/>
+        </p:nvSpPr>
+        <p:spPr>
+          <a:xfrm>
+            <a:off x="3485584" y="2498756"/>
+            <a:ext cx="1747319" cy="588475"/>
+          </a:xfrm>
+          <a:prstGeom prst="roundRect">
+            <a:avLst/>
+          </a:prstGeom>
+        </p:spPr>
+        <p:style>
+          <a:lnRef idx="3">
+            <a:schemeClr val="lt1"/>
+          </a:lnRef>
+          <a:fillRef idx="1">
+            <a:schemeClr val="accent6"/>
+          </a:fillRef>
+          <a:effectRef idx="1">
+            <a:schemeClr val="accent6"/>
+          </a:effectRef>
+          <a:fontRef idx="minor">
+            <a:schemeClr val="lt1"/>
+          </a:fontRef>
+        </p:style>
+        <p:txBody>
+          <a:bodyPr rtlCol="0" anchor="ctr"/>
+          <a:lstStyle/>
+          <a:p>
+            <a:pPr algn="ctr"/>
+            <a:r>
+              <a:rPr lang="zh-CN" altLang="en-US" sz="1400" dirty="0" smtClean="0"/>
+              <a:t>高速录像</a:t>
+            </a:r>
+            <a:r>
+              <a:rPr lang="en-US" altLang="zh-CN" sz="1400" dirty="0"/>
+              <a:t> (&gt;=120fps)</a:t>
+            </a:r>
+            <a:endParaRPr lang="en-US" altLang="zh-CN" sz="1400" dirty="0" smtClean="0"/>
+          </a:p>
+        </p:txBody>
+      </p:sp>
+      <p:sp>
+        <p:nvSpPr>
+          <p:cNvPr id="7" name="圆角矩形 6"/>
+          <p:cNvSpPr/>
+          <p:nvPr/>
+        </p:nvSpPr>
+        <p:spPr>
+          <a:xfrm>
+            <a:off x="3485584" y="3385995"/>
+            <a:ext cx="1747319" cy="588475"/>
+          </a:xfrm>
+          <a:prstGeom prst="roundRect">
+            <a:avLst/>
+          </a:prstGeom>
+        </p:spPr>
+        <p:style>
+          <a:lnRef idx="2">
+            <a:schemeClr val="accent1">
+              <a:shade val="50000"/>
+            </a:schemeClr>
+          </a:lnRef>
+          <a:fillRef idx="1">
+            <a:schemeClr val="accent1"/>
+          </a:fillRef>
+          <a:effectRef idx="0">
+            <a:schemeClr val="accent1"/>
+          </a:effectRef>
+          <a:fontRef idx="minor">
+            <a:schemeClr val="lt1"/>
+          </a:fontRef>
+        </p:style>
+        <p:txBody>
+          <a:bodyPr rtlCol="0" anchor="ctr"/>
+          <a:lstStyle/>
+          <a:p>
+            <a:pPr algn="ctr"/>
+            <a:r>
+              <a:rPr lang="zh-CN" altLang="en-US" dirty="0" smtClean="0"/>
+              <a:t>连拍</a:t>
+            </a:r>
+            <a:endParaRPr lang="en-US" altLang="zh-CN" dirty="0" smtClean="0"/>
+          </a:p>
+        </p:txBody>
+      </p:sp>
+      <p:sp>
+        <p:nvSpPr>
+          <p:cNvPr id="12" name="圆角矩形 11"/>
+          <p:cNvSpPr/>
+          <p:nvPr/>
+        </p:nvSpPr>
+        <p:spPr>
+          <a:xfrm>
+            <a:off x="742384" y="1421394"/>
+            <a:ext cx="1747319" cy="588475"/>
+          </a:xfrm>
+          <a:prstGeom prst="roundRect">
+            <a:avLst/>
+          </a:prstGeom>
+        </p:spPr>
+        <p:style>
+          <a:lnRef idx="2">
+            <a:schemeClr val="accent1">
+              <a:shade val="50000"/>
+            </a:schemeClr>
+          </a:lnRef>
+          <a:fillRef idx="1">
+            <a:schemeClr val="accent1"/>
+          </a:fillRef>
+          <a:effectRef idx="0">
+            <a:schemeClr val="accent1"/>
+          </a:effectRef>
+          <a:fontRef idx="minor">
+            <a:schemeClr val="lt1"/>
+          </a:fontRef>
+        </p:style>
+        <p:txBody>
+          <a:bodyPr rtlCol="0" anchor="ctr"/>
+          <a:lstStyle/>
+          <a:p>
+            <a:pPr algn="ctr"/>
+            <a:r>
+              <a:rPr lang="zh-CN" altLang="en-US" dirty="0" smtClean="0"/>
+              <a:t>双摄</a:t>
+            </a:r>
+            <a:endParaRPr lang="en-US" altLang="zh-CN" dirty="0" smtClean="0"/>
+          </a:p>
+        </p:txBody>
+      </p:sp>
+      <p:sp>
+        <p:nvSpPr>
+          <p:cNvPr id="13" name="圆角矩形 12"/>
+          <p:cNvSpPr/>
+          <p:nvPr/>
+        </p:nvSpPr>
+        <p:spPr>
+          <a:xfrm>
+            <a:off x="742384" y="2218099"/>
+            <a:ext cx="1747319" cy="588475"/>
+          </a:xfrm>
+          <a:prstGeom prst="roundRect">
+            <a:avLst/>
+          </a:prstGeom>
+        </p:spPr>
+        <p:style>
+          <a:lnRef idx="2">
+            <a:schemeClr val="accent1">
+              <a:shade val="50000"/>
+            </a:schemeClr>
+          </a:lnRef>
+          <a:fillRef idx="1">
+            <a:schemeClr val="accent1"/>
+          </a:fillRef>
+          <a:effectRef idx="0">
+            <a:schemeClr val="accent1"/>
+          </a:effectRef>
+          <a:fontRef idx="minor">
+            <a:schemeClr val="lt1"/>
+          </a:fontRef>
+        </p:style>
+        <p:txBody>
+          <a:bodyPr rtlCol="0" anchor="ctr"/>
+          <a:lstStyle/>
+          <a:p>
+            <a:pPr algn="ctr"/>
+            <a:r>
+              <a:rPr lang="zh-CN" altLang="en-US" dirty="0" smtClean="0"/>
+              <a:t>后摄</a:t>
+            </a:r>
+            <a:endParaRPr lang="en-US" altLang="zh-CN" dirty="0" smtClean="0"/>
+          </a:p>
+        </p:txBody>
+      </p:sp>
+      <p:sp>
+        <p:nvSpPr>
+          <p:cNvPr id="14" name="圆角矩形 13"/>
+          <p:cNvSpPr/>
+          <p:nvPr/>
+        </p:nvSpPr>
+        <p:spPr>
+          <a:xfrm>
+            <a:off x="742384" y="3014804"/>
+            <a:ext cx="1747319" cy="588475"/>
+          </a:xfrm>
+          <a:prstGeom prst="roundRect">
+            <a:avLst/>
+          </a:prstGeom>
+        </p:spPr>
+        <p:style>
+          <a:lnRef idx="2">
+            <a:schemeClr val="accent1">
+              <a:shade val="50000"/>
+            </a:schemeClr>
+          </a:lnRef>
+          <a:fillRef idx="1">
+            <a:schemeClr val="accent1"/>
+          </a:fillRef>
+          <a:effectRef idx="0">
+            <a:schemeClr val="accent1"/>
+          </a:effectRef>
+          <a:fontRef idx="minor">
+            <a:schemeClr val="lt1"/>
+          </a:fontRef>
+        </p:style>
+        <p:txBody>
+          <a:bodyPr rtlCol="0" anchor="ctr"/>
+          <a:lstStyle/>
+          <a:p>
+            <a:pPr algn="ctr"/>
+            <a:r>
+              <a:rPr lang="zh-CN" altLang="en-US" dirty="0" smtClean="0"/>
+              <a:t>前摄</a:t>
+            </a:r>
+            <a:endParaRPr lang="en-US" altLang="zh-CN" dirty="0" smtClean="0"/>
+          </a:p>
+        </p:txBody>
+      </p:sp>
+      <p:cxnSp>
+        <p:nvCxnSpPr>
+          <p:cNvPr id="19" name="直接箭头连接符 18"/>
+          <p:cNvCxnSpPr>
+            <a:stCxn id="12" idx="3"/>
+            <a:endCxn id="4" idx="1"/>
+          </p:cNvCxnSpPr>
+          <p:nvPr/>
+        </p:nvCxnSpPr>
+        <p:spPr>
+          <a:xfrm flipV="1">
+            <a:off x="2489703" y="1199584"/>
+            <a:ext cx="995881" cy="516048"/>
+          </a:xfrm>
+          <a:prstGeom prst="straightConnector1">
+            <a:avLst/>
+          </a:prstGeom>
+          <a:ln>
+            <a:tailEnd type="triangle"/>
+          </a:ln>
+        </p:spPr>
+        <p:style>
+          <a:lnRef idx="1">
+            <a:schemeClr val="accent1"/>
+          </a:lnRef>
+          <a:fillRef idx="0">
+            <a:schemeClr val="accent1"/>
+          </a:fillRef>
+          <a:effectRef idx="0">
+            <a:schemeClr val="accent1"/>
+          </a:effectRef>
+          <a:fontRef idx="minor">
+            <a:schemeClr val="tx1"/>
+          </a:fontRef>
+        </p:style>
+      </p:cxnSp>
+      <p:cxnSp>
+        <p:nvCxnSpPr>
+          <p:cNvPr id="22" name="直接箭头连接符 21"/>
+          <p:cNvCxnSpPr>
+            <a:stCxn id="13" idx="3"/>
+            <a:endCxn id="4" idx="1"/>
+          </p:cNvCxnSpPr>
+          <p:nvPr/>
+        </p:nvCxnSpPr>
+        <p:spPr>
+          <a:xfrm flipV="1">
+            <a:off x="2489703" y="1199584"/>
+            <a:ext cx="995881" cy="1312753"/>
+          </a:xfrm>
+          <a:prstGeom prst="straightConnector1">
+            <a:avLst/>
+          </a:prstGeom>
+          <a:ln>
+            <a:tailEnd type="triangle"/>
+          </a:ln>
+        </p:spPr>
+        <p:style>
+          <a:lnRef idx="1">
+            <a:schemeClr val="accent1"/>
+          </a:lnRef>
+          <a:fillRef idx="0">
+            <a:schemeClr val="accent1"/>
+          </a:fillRef>
+          <a:effectRef idx="0">
+            <a:schemeClr val="accent1"/>
+          </a:effectRef>
+          <a:fontRef idx="minor">
+            <a:schemeClr val="tx1"/>
+          </a:fontRef>
+        </p:style>
+      </p:cxnSp>
+      <p:cxnSp>
+        <p:nvCxnSpPr>
+          <p:cNvPr id="24" name="直接箭头连接符 23"/>
+          <p:cNvCxnSpPr>
+            <a:stCxn id="13" idx="3"/>
+            <a:endCxn id="5" idx="1"/>
+          </p:cNvCxnSpPr>
+          <p:nvPr/>
+        </p:nvCxnSpPr>
+        <p:spPr>
+          <a:xfrm flipV="1">
+            <a:off x="2489703" y="1996289"/>
+            <a:ext cx="995881" cy="516048"/>
+          </a:xfrm>
+          <a:prstGeom prst="straightConnector1">
+            <a:avLst/>
+          </a:prstGeom>
+          <a:ln>
+            <a:tailEnd type="triangle"/>
+          </a:ln>
+        </p:spPr>
+        <p:style>
+          <a:lnRef idx="1">
+            <a:schemeClr val="accent1"/>
+          </a:lnRef>
+          <a:fillRef idx="0">
+            <a:schemeClr val="accent1"/>
+          </a:fillRef>
+          <a:effectRef idx="0">
+            <a:schemeClr val="accent1"/>
+          </a:effectRef>
+          <a:fontRef idx="minor">
+            <a:schemeClr val="tx1"/>
+          </a:fontRef>
+        </p:style>
+      </p:cxnSp>
+      <p:cxnSp>
+        <p:nvCxnSpPr>
+          <p:cNvPr id="27" name="直接箭头连接符 26"/>
+          <p:cNvCxnSpPr>
+            <a:stCxn id="13" idx="3"/>
+            <a:endCxn id="6" idx="1"/>
+          </p:cNvCxnSpPr>
+          <p:nvPr/>
+        </p:nvCxnSpPr>
+        <p:spPr>
+          <a:xfrm>
+            <a:off x="2489703" y="2512337"/>
+            <a:ext cx="995881" cy="280657"/>
+          </a:xfrm>
+          <a:prstGeom prst="straightConnector1">
+            <a:avLst/>
+          </a:prstGeom>
+          <a:ln>
+            <a:tailEnd type="triangle"/>
+          </a:ln>
+        </p:spPr>
+        <p:style>
+          <a:lnRef idx="1">
+            <a:schemeClr val="accent1"/>
+          </a:lnRef>
+          <a:fillRef idx="0">
+            <a:schemeClr val="accent1"/>
+          </a:fillRef>
+          <a:effectRef idx="0">
+            <a:schemeClr val="accent1"/>
+          </a:effectRef>
+          <a:fontRef idx="minor">
+            <a:schemeClr val="tx1"/>
+          </a:fontRef>
+        </p:style>
+      </p:cxnSp>
+      <p:cxnSp>
+        <p:nvCxnSpPr>
+          <p:cNvPr id="30" name="直接箭头连接符 29"/>
+          <p:cNvCxnSpPr>
+            <a:stCxn id="13" idx="3"/>
+            <a:endCxn id="7" idx="1"/>
+          </p:cNvCxnSpPr>
+          <p:nvPr/>
+        </p:nvCxnSpPr>
+        <p:spPr>
+          <a:xfrm>
+            <a:off x="2489703" y="2512337"/>
+            <a:ext cx="995881" cy="1167896"/>
+          </a:xfrm>
+          <a:prstGeom prst="straightConnector1">
+            <a:avLst/>
+          </a:prstGeom>
+          <a:ln>
+            <a:tailEnd type="triangle"/>
+          </a:ln>
+        </p:spPr>
+        <p:style>
+          <a:lnRef idx="1">
+            <a:schemeClr val="accent1"/>
+          </a:lnRef>
+          <a:fillRef idx="0">
+            <a:schemeClr val="accent1"/>
+          </a:fillRef>
+          <a:effectRef idx="0">
+            <a:schemeClr val="accent1"/>
+          </a:effectRef>
+          <a:fontRef idx="minor">
+            <a:schemeClr val="tx1"/>
+          </a:fontRef>
+        </p:style>
+      </p:cxnSp>
+      <p:cxnSp>
+        <p:nvCxnSpPr>
+          <p:cNvPr id="32" name="直接箭头连接符 31"/>
+          <p:cNvCxnSpPr>
+            <a:stCxn id="14" idx="3"/>
+            <a:endCxn id="4" idx="1"/>
+          </p:cNvCxnSpPr>
+          <p:nvPr/>
+        </p:nvCxnSpPr>
+        <p:spPr>
+          <a:xfrm flipV="1">
+            <a:off x="2489703" y="1199584"/>
+            <a:ext cx="995881" cy="2109458"/>
+          </a:xfrm>
+          <a:prstGeom prst="straightConnector1">
+            <a:avLst/>
+          </a:prstGeom>
+          <a:ln>
+            <a:tailEnd type="triangle"/>
+          </a:ln>
+        </p:spPr>
+        <p:style>
+          <a:lnRef idx="1">
+            <a:schemeClr val="accent1"/>
+          </a:lnRef>
+          <a:fillRef idx="0">
+            <a:schemeClr val="accent1"/>
+          </a:fillRef>
+          <a:effectRef idx="0">
+            <a:schemeClr val="accent1"/>
+          </a:effectRef>
+          <a:fontRef idx="minor">
+            <a:schemeClr val="tx1"/>
+          </a:fontRef>
+        </p:style>
+      </p:cxnSp>
+      <p:cxnSp>
+        <p:nvCxnSpPr>
+          <p:cNvPr id="34" name="直接箭头连接符 33"/>
+          <p:cNvCxnSpPr>
+            <a:stCxn id="14" idx="3"/>
+            <a:endCxn id="5" idx="1"/>
+          </p:cNvCxnSpPr>
+          <p:nvPr/>
+        </p:nvCxnSpPr>
+        <p:spPr>
+          <a:xfrm flipV="1">
+            <a:off x="2489703" y="1996289"/>
+            <a:ext cx="995881" cy="1312753"/>
+          </a:xfrm>
+          <a:prstGeom prst="straightConnector1">
+            <a:avLst/>
+          </a:prstGeom>
+          <a:ln>
+            <a:tailEnd type="triangle"/>
+          </a:ln>
+        </p:spPr>
+        <p:style>
+          <a:lnRef idx="1">
+            <a:schemeClr val="accent1"/>
+          </a:lnRef>
+          <a:fillRef idx="0">
+            <a:schemeClr val="accent1"/>
+          </a:fillRef>
+          <a:effectRef idx="0">
+            <a:schemeClr val="accent1"/>
+          </a:effectRef>
+          <a:fontRef idx="minor">
+            <a:schemeClr val="tx1"/>
+          </a:fontRef>
+        </p:style>
+      </p:cxnSp>
+      <p:cxnSp>
+        <p:nvCxnSpPr>
+          <p:cNvPr id="36" name="直接箭头连接符 35"/>
+          <p:cNvCxnSpPr>
+            <a:stCxn id="7" idx="1"/>
+            <a:endCxn id="14" idx="3"/>
+          </p:cNvCxnSpPr>
+          <p:nvPr/>
+        </p:nvCxnSpPr>
+        <p:spPr>
+          <a:xfrm flipH="1" flipV="1">
+            <a:off x="2489703" y="3309042"/>
+            <a:ext cx="995881" cy="371191"/>
+          </a:xfrm>
+          <a:prstGeom prst="straightConnector1">
+            <a:avLst/>
+          </a:prstGeom>
+          <a:ln>
+            <a:tailEnd type="triangle"/>
+          </a:ln>
+        </p:spPr>
+        <p:style>
+          <a:lnRef idx="1">
+            <a:schemeClr val="accent1"/>
+          </a:lnRef>
+          <a:fillRef idx="0">
+            <a:schemeClr val="accent1"/>
+          </a:fillRef>
+          <a:effectRef idx="0">
+            <a:schemeClr val="accent1"/>
+          </a:effectRef>
+          <a:fontRef idx="minor">
+            <a:schemeClr val="tx1"/>
+          </a:fontRef>
+        </p:style>
+      </p:cxnSp>
+      <p:sp>
+        <p:nvSpPr>
+          <p:cNvPr id="39" name="文本框 38"/>
+          <p:cNvSpPr txBox="1"/>
+          <p:nvPr/>
+        </p:nvSpPr>
+        <p:spPr>
+          <a:xfrm>
+            <a:off x="1140737" y="280658"/>
+            <a:ext cx="1131683" cy="369332"/>
+          </a:xfrm>
+          <a:prstGeom prst="rect">
+            <a:avLst/>
+          </a:prstGeom>
+          <a:noFill/>
+        </p:spPr>
+        <p:txBody>
+          <a:bodyPr wrap="square" rtlCol="0">
+            <a:spAutoFit/>
+          </a:bodyPr>
+          <a:lstStyle/>
+          <a:p>
+            <a:r>
+              <a:rPr lang="en-US" altLang="zh-CN" dirty="0" smtClean="0"/>
+              <a:t>camera</a:t>
+            </a:r>
+            <a:endParaRPr lang="zh-CN" altLang="en-US" dirty="0"/>
+          </a:p>
+        </p:txBody>
+      </p:sp>
+      <p:sp>
+        <p:nvSpPr>
+          <p:cNvPr id="40" name="文本框 39"/>
+          <p:cNvSpPr txBox="1"/>
+          <p:nvPr/>
+        </p:nvSpPr>
+        <p:spPr>
+          <a:xfrm>
+            <a:off x="3892988" y="280658"/>
+            <a:ext cx="1131683" cy="369332"/>
+          </a:xfrm>
+          <a:prstGeom prst="rect">
+            <a:avLst/>
+          </a:prstGeom>
+          <a:noFill/>
+        </p:spPr>
+        <p:txBody>
+          <a:bodyPr wrap="square" rtlCol="0">
+            <a:spAutoFit/>
+          </a:bodyPr>
+          <a:lstStyle/>
+          <a:p>
+            <a:r>
+              <a:rPr lang="en-US" altLang="zh-CN" dirty="0" smtClean="0"/>
+              <a:t>session</a:t>
+            </a:r>
+            <a:endParaRPr lang="zh-CN" altLang="en-US" dirty="0"/>
+          </a:p>
+        </p:txBody>
+      </p:sp>
+      <p:sp>
+        <p:nvSpPr>
+          <p:cNvPr id="41" name="文本框 40"/>
+          <p:cNvSpPr txBox="1"/>
+          <p:nvPr/>
+        </p:nvSpPr>
+        <p:spPr>
+          <a:xfrm>
+            <a:off x="6536600" y="280659"/>
+            <a:ext cx="1131683" cy="369332"/>
+          </a:xfrm>
+          <a:prstGeom prst="rect">
+            <a:avLst/>
+          </a:prstGeom>
+          <a:noFill/>
+        </p:spPr>
+        <p:txBody>
+          <a:bodyPr wrap="square" rtlCol="0">
+            <a:spAutoFit/>
+          </a:bodyPr>
+          <a:lstStyle/>
+          <a:p>
+            <a:r>
+              <a:rPr lang="en-US" altLang="zh-CN" dirty="0" smtClean="0"/>
+              <a:t>request</a:t>
+            </a:r>
+            <a:endParaRPr lang="zh-CN" altLang="en-US" dirty="0"/>
+          </a:p>
+        </p:txBody>
+      </p:sp>
+      <p:sp>
+        <p:nvSpPr>
+          <p:cNvPr id="44" name="文本框 43"/>
+          <p:cNvSpPr txBox="1"/>
+          <p:nvPr/>
+        </p:nvSpPr>
+        <p:spPr>
+          <a:xfrm>
+            <a:off x="443621" y="5232903"/>
+            <a:ext cx="10701196" cy="923330"/>
+          </a:xfrm>
+          <a:prstGeom prst="rect">
+            <a:avLst/>
+          </a:prstGeom>
+          <a:noFill/>
+        </p:spPr>
+        <p:txBody>
+          <a:bodyPr wrap="square" rtlCol="0">
+            <a:spAutoFit/>
+          </a:bodyPr>
+          <a:lstStyle/>
+          <a:p>
+            <a:r>
+              <a:rPr lang="zh-CN" altLang="en-US" dirty="0" smtClean="0"/>
+              <a:t>注：</a:t>
+            </a:r>
+            <a:endParaRPr lang="en-US" altLang="zh-CN" dirty="0" smtClean="0"/>
+          </a:p>
+          <a:p>
+            <a:r>
+              <a:rPr lang="en-US" altLang="zh-CN" dirty="0" smtClean="0"/>
+              <a:t>REQUEST_AVAILABLE_CAPABILITIES </a:t>
+            </a:r>
+            <a:r>
+              <a:rPr lang="zh-CN" altLang="en-US" dirty="0" smtClean="0"/>
+              <a:t>包含 </a:t>
+            </a:r>
+            <a:r>
+              <a:rPr lang="en-US" altLang="zh-CN" dirty="0" smtClean="0"/>
+              <a:t>REQUEST_AVAILABLE_CAPABILITIES_CONSTRAINED_HIGH_SPEED_VIDEO</a:t>
+            </a:r>
+            <a:r>
+              <a:rPr lang="zh-CN" altLang="en-US" dirty="0" smtClean="0"/>
+              <a:t>时才支持高速录像</a:t>
+            </a:r>
+            <a:endParaRPr lang="zh-CN" altLang="en-US" dirty="0"/>
+          </a:p>
+        </p:txBody>
+      </p:sp>
+      <p:sp>
+        <p:nvSpPr>
+          <p:cNvPr id="46" name="文本框 45"/>
+          <p:cNvSpPr txBox="1"/>
+          <p:nvPr/>
+        </p:nvSpPr>
+        <p:spPr>
+          <a:xfrm>
+            <a:off x="5450186" y="2633669"/>
+            <a:ext cx="6081921" cy="307777"/>
+          </a:xfrm>
+          <a:prstGeom prst="rect">
+            <a:avLst/>
+          </a:prstGeom>
+          <a:noFill/>
+        </p:spPr>
+        <p:txBody>
+          <a:bodyPr wrap="none" rtlCol="0">
+            <a:spAutoFit/>
+          </a:bodyPr>
+          <a:lstStyle/>
+          <a:p>
+            <a:r>
+              <a:rPr lang="en-US" altLang="zh-CN" sz="1400" dirty="0" err="1" smtClean="0">
+                <a:hlinkClick r:id="rId2"/>
+              </a:rPr>
+              <a:t>createHighSpeedRequestList</a:t>
+            </a:r>
+            <a:r>
+              <a:rPr lang="en-US" altLang="zh-CN" sz="1400" dirty="0" smtClean="0">
+                <a:hlinkClick r:id="rId2"/>
+              </a:rPr>
+              <a:t>(</a:t>
+            </a:r>
+            <a:r>
+              <a:rPr lang="en-US" altLang="zh-CN" sz="1400" dirty="0" err="1" smtClean="0">
+                <a:hlinkClick r:id="rId2"/>
+              </a:rPr>
+              <a:t>CaptureRequest</a:t>
+            </a:r>
+            <a:r>
+              <a:rPr lang="en-US" altLang="zh-CN" sz="1400" dirty="0" smtClean="0">
+                <a:hlinkClick r:id="rId2"/>
+              </a:rPr>
+              <a:t>)</a:t>
+            </a:r>
+            <a:r>
+              <a:rPr lang="en-US" altLang="zh-CN" sz="1400" dirty="0"/>
+              <a:t>-&gt; </a:t>
+            </a:r>
+            <a:r>
+              <a:rPr lang="en-US" altLang="zh-CN" sz="1400" dirty="0" err="1" smtClean="0"/>
+              <a:t>captureBurst</a:t>
+            </a:r>
+            <a:r>
+              <a:rPr lang="en-US" altLang="zh-CN" sz="1400" dirty="0" smtClean="0"/>
+              <a:t>/</a:t>
+            </a:r>
+            <a:r>
+              <a:rPr lang="en-US" altLang="zh-CN" sz="1400" dirty="0" err="1" smtClean="0"/>
+              <a:t>setRepeatingBurst</a:t>
+            </a:r>
+            <a:endParaRPr lang="en-US" altLang="zh-CN" sz="1400" dirty="0" smtClean="0"/>
+          </a:p>
+        </p:txBody>
+      </p:sp>
+      <p:sp>
+        <p:nvSpPr>
+          <p:cNvPr id="53" name="圆角矩形 52"/>
+          <p:cNvSpPr/>
+          <p:nvPr/>
+        </p:nvSpPr>
+        <p:spPr>
+          <a:xfrm>
+            <a:off x="3485584" y="4250600"/>
+            <a:ext cx="1747319" cy="588475"/>
+          </a:xfrm>
+          <a:prstGeom prst="roundRect">
+            <a:avLst/>
+          </a:prstGeom>
+        </p:spPr>
+        <p:style>
+          <a:lnRef idx="2">
+            <a:schemeClr val="accent1">
+              <a:shade val="50000"/>
+            </a:schemeClr>
+          </a:lnRef>
+          <a:fillRef idx="1">
+            <a:schemeClr val="accent1"/>
+          </a:fillRef>
+          <a:effectRef idx="0">
+            <a:schemeClr val="accent1"/>
+          </a:effectRef>
+          <a:fontRef idx="minor">
+            <a:schemeClr val="lt1"/>
+          </a:fontRef>
+        </p:style>
+        <p:txBody>
+          <a:bodyPr rtlCol="0" anchor="ctr"/>
+          <a:lstStyle/>
+          <a:p>
+            <a:pPr algn="ctr"/>
+            <a:r>
+              <a:rPr lang="zh-CN" altLang="en-US" sz="1200" dirty="0" smtClean="0"/>
+              <a:t>美颜</a:t>
+            </a:r>
+            <a:endParaRPr lang="en-US" altLang="zh-CN" sz="1200" dirty="0" smtClean="0"/>
+          </a:p>
+          <a:p>
+            <a:pPr algn="ctr"/>
+            <a:r>
+              <a:rPr lang="en-US" altLang="zh-CN" sz="1200" dirty="0" err="1"/>
+              <a:t>createReprocessableCaptureSession</a:t>
+            </a:r>
+            <a:r>
+              <a:rPr lang="en-US" altLang="zh-CN" sz="1200" dirty="0"/>
+              <a:t> </a:t>
+            </a:r>
+            <a:endParaRPr lang="en-US" altLang="zh-CN" sz="1200" dirty="0" smtClean="0"/>
+          </a:p>
+        </p:txBody>
+      </p:sp>
+      <p:sp>
+        <p:nvSpPr>
+          <p:cNvPr id="54" name="文本框 53"/>
+          <p:cNvSpPr txBox="1"/>
+          <p:nvPr/>
+        </p:nvSpPr>
+        <p:spPr>
+          <a:xfrm>
+            <a:off x="5993394" y="1199583"/>
+            <a:ext cx="5538713" cy="369332"/>
+          </a:xfrm>
+          <a:prstGeom prst="rect">
+            <a:avLst/>
+          </a:prstGeom>
+          <a:noFill/>
+        </p:spPr>
+        <p:txBody>
+          <a:bodyPr wrap="square" rtlCol="0">
+            <a:spAutoFit/>
+          </a:bodyPr>
+          <a:lstStyle/>
+          <a:p>
+            <a:r>
+              <a:rPr lang="en-US" altLang="zh-CN" dirty="0" smtClean="0"/>
+              <a:t>-&gt;</a:t>
+            </a:r>
+            <a:endParaRPr lang="zh-CN" altLang="en-US" dirty="0"/>
+          </a:p>
+        </p:txBody>
+      </p:sp>
+    </p:spTree>
+    <p:extLst>
+      <p:ext uri="{BB962C8B-B14F-4D97-AF65-F5344CB8AC3E}">
+        <p14:creationId xmlns:p14="http://schemas.microsoft.com/office/powerpoint/2010/main" val="1538237323"/>
+      </p:ext>
+    </p:extLst>
+  </p:cSld>
+  <p:clrMapOvr>
+    <a:masterClrMapping/>
+  </p:clrMapOvr>
+</p:sld>
+</file>
+
 <file path=ppt/theme/theme1.xml><?xml version="1.0" encoding="utf-8"?>
 <a:theme xmlns:a="http://schemas.openxmlformats.org/drawingml/2006/main" name="Office 主题">
   <a:themeElements>

--- a/doc/FramworkDesign.pptx
+++ b/doc/FramworkDesign.pptx
@@ -6,10 +6,11 @@
   </p:sldMasterIdLst>
   <p:sldIdLst>
     <p:sldId id="256" r:id="rId2"/>
-    <p:sldId id="257" r:id="rId3"/>
-    <p:sldId id="259" r:id="rId4"/>
-    <p:sldId id="260" r:id="rId5"/>
-    <p:sldId id="261" r:id="rId6"/>
+    <p:sldId id="262" r:id="rId3"/>
+    <p:sldId id="257" r:id="rId4"/>
+    <p:sldId id="259" r:id="rId5"/>
+    <p:sldId id="260" r:id="rId6"/>
+    <p:sldId id="261" r:id="rId7"/>
   </p:sldIdLst>
   <p:sldSz cx="12192000" cy="6858000"/>
   <p:notesSz cx="6858000" cy="9144000"/>
@@ -247,7 +248,7 @@
           <a:p>
             <a:fld id="{465E02F3-C158-4F08-9ACA-854467DE1800}" type="datetimeFigureOut">
               <a:rPr lang="zh-CN" altLang="en-US" smtClean="0"/>
-              <a:t>2017/11/24</a:t>
+              <a:t>2018/1/13</a:t>
             </a:fld>
             <a:endParaRPr lang="zh-CN" altLang="en-US"/>
           </a:p>
@@ -417,7 +418,7 @@
           <a:p>
             <a:fld id="{465E02F3-C158-4F08-9ACA-854467DE1800}" type="datetimeFigureOut">
               <a:rPr lang="zh-CN" altLang="en-US" smtClean="0"/>
-              <a:t>2017/11/24</a:t>
+              <a:t>2018/1/13</a:t>
             </a:fld>
             <a:endParaRPr lang="zh-CN" altLang="en-US"/>
           </a:p>
@@ -597,7 +598,7 @@
           <a:p>
             <a:fld id="{465E02F3-C158-4F08-9ACA-854467DE1800}" type="datetimeFigureOut">
               <a:rPr lang="zh-CN" altLang="en-US" smtClean="0"/>
-              <a:t>2017/11/24</a:t>
+              <a:t>2018/1/13</a:t>
             </a:fld>
             <a:endParaRPr lang="zh-CN" altLang="en-US"/>
           </a:p>
@@ -767,7 +768,7 @@
           <a:p>
             <a:fld id="{465E02F3-C158-4F08-9ACA-854467DE1800}" type="datetimeFigureOut">
               <a:rPr lang="zh-CN" altLang="en-US" smtClean="0"/>
-              <a:t>2017/11/24</a:t>
+              <a:t>2018/1/13</a:t>
             </a:fld>
             <a:endParaRPr lang="zh-CN" altLang="en-US"/>
           </a:p>
@@ -1013,7 +1014,7 @@
           <a:p>
             <a:fld id="{465E02F3-C158-4F08-9ACA-854467DE1800}" type="datetimeFigureOut">
               <a:rPr lang="zh-CN" altLang="en-US" smtClean="0"/>
-              <a:t>2017/11/24</a:t>
+              <a:t>2018/1/13</a:t>
             </a:fld>
             <a:endParaRPr lang="zh-CN" altLang="en-US"/>
           </a:p>
@@ -1245,7 +1246,7 @@
           <a:p>
             <a:fld id="{465E02F3-C158-4F08-9ACA-854467DE1800}" type="datetimeFigureOut">
               <a:rPr lang="zh-CN" altLang="en-US" smtClean="0"/>
-              <a:t>2017/11/24</a:t>
+              <a:t>2018/1/13</a:t>
             </a:fld>
             <a:endParaRPr lang="zh-CN" altLang="en-US"/>
           </a:p>
@@ -1612,7 +1613,7 @@
           <a:p>
             <a:fld id="{465E02F3-C158-4F08-9ACA-854467DE1800}" type="datetimeFigureOut">
               <a:rPr lang="zh-CN" altLang="en-US" smtClean="0"/>
-              <a:t>2017/11/24</a:t>
+              <a:t>2018/1/13</a:t>
             </a:fld>
             <a:endParaRPr lang="zh-CN" altLang="en-US"/>
           </a:p>
@@ -1730,7 +1731,7 @@
           <a:p>
             <a:fld id="{465E02F3-C158-4F08-9ACA-854467DE1800}" type="datetimeFigureOut">
               <a:rPr lang="zh-CN" altLang="en-US" smtClean="0"/>
-              <a:t>2017/11/24</a:t>
+              <a:t>2018/1/13</a:t>
             </a:fld>
             <a:endParaRPr lang="zh-CN" altLang="en-US"/>
           </a:p>
@@ -1825,7 +1826,7 @@
           <a:p>
             <a:fld id="{465E02F3-C158-4F08-9ACA-854467DE1800}" type="datetimeFigureOut">
               <a:rPr lang="zh-CN" altLang="en-US" smtClean="0"/>
-              <a:t>2017/11/24</a:t>
+              <a:t>2018/1/13</a:t>
             </a:fld>
             <a:endParaRPr lang="zh-CN" altLang="en-US"/>
           </a:p>
@@ -2102,7 +2103,7 @@
           <a:p>
             <a:fld id="{465E02F3-C158-4F08-9ACA-854467DE1800}" type="datetimeFigureOut">
               <a:rPr lang="zh-CN" altLang="en-US" smtClean="0"/>
-              <a:t>2017/11/24</a:t>
+              <a:t>2018/1/13</a:t>
             </a:fld>
             <a:endParaRPr lang="zh-CN" altLang="en-US"/>
           </a:p>
@@ -2355,7 +2356,7 @@
           <a:p>
             <a:fld id="{465E02F3-C158-4F08-9ACA-854467DE1800}" type="datetimeFigureOut">
               <a:rPr lang="zh-CN" altLang="en-US" smtClean="0"/>
-              <a:t>2017/11/24</a:t>
+              <a:t>2018/1/13</a:t>
             </a:fld>
             <a:endParaRPr lang="zh-CN" altLang="en-US"/>
           </a:p>
@@ -2568,7 +2569,7 @@
           <a:p>
             <a:fld id="{465E02F3-C158-4F08-9ACA-854467DE1800}" type="datetimeFigureOut">
               <a:rPr lang="zh-CN" altLang="en-US" smtClean="0"/>
-              <a:t>2017/11/24</a:t>
+              <a:t>2018/1/13</a:t>
             </a:fld>
             <a:endParaRPr lang="zh-CN" altLang="en-US"/>
           </a:p>
@@ -4209,6 +4210,1535 @@
       </p:grpSpPr>
       <p:sp>
         <p:nvSpPr>
+          <p:cNvPr id="4" name="矩形 3"/>
+          <p:cNvSpPr/>
+          <p:nvPr/>
+        </p:nvSpPr>
+        <p:spPr>
+          <a:xfrm>
+            <a:off x="1221698" y="5329003"/>
+            <a:ext cx="10035914" cy="973820"/>
+          </a:xfrm>
+          <a:prstGeom prst="rect">
+            <a:avLst/>
+          </a:prstGeom>
+          <a:solidFill>
+            <a:schemeClr val="bg1">
+              <a:lumMod val="65000"/>
+            </a:schemeClr>
+          </a:solidFill>
+          <a:ln>
+            <a:noFill/>
+          </a:ln>
+        </p:spPr>
+        <p:style>
+          <a:lnRef idx="2">
+            <a:schemeClr val="accent6">
+              <a:shade val="50000"/>
+            </a:schemeClr>
+          </a:lnRef>
+          <a:fillRef idx="1">
+            <a:schemeClr val="accent6"/>
+          </a:fillRef>
+          <a:effectRef idx="0">
+            <a:schemeClr val="accent6"/>
+          </a:effectRef>
+          <a:fontRef idx="minor">
+            <a:schemeClr val="lt1"/>
+          </a:fontRef>
+        </p:style>
+        <p:txBody>
+          <a:bodyPr rtlCol="0" anchor="ctr"/>
+          <a:lstStyle/>
+          <a:p>
+            <a:pPr algn="ctr"/>
+            <a:endParaRPr lang="zh-CN" altLang="en-US">
+              <a:solidFill>
+                <a:schemeClr val="bg1">
+                  <a:lumMod val="75000"/>
+                </a:schemeClr>
+              </a:solidFill>
+              <a:latin typeface="方正隶书简体" panose="02010601030101010101" pitchFamily="2" charset="-122"/>
+              <a:ea typeface="方正隶书简体" panose="02010601030101010101" pitchFamily="2" charset="-122"/>
+            </a:endParaRPr>
+          </a:p>
+        </p:txBody>
+      </p:sp>
+      <p:sp>
+        <p:nvSpPr>
+          <p:cNvPr id="21" name="矩形 20"/>
+          <p:cNvSpPr/>
+          <p:nvPr/>
+        </p:nvSpPr>
+        <p:spPr>
+          <a:xfrm>
+            <a:off x="1221698" y="2359232"/>
+            <a:ext cx="10035914" cy="1850378"/>
+          </a:xfrm>
+          <a:prstGeom prst="rect">
+            <a:avLst/>
+          </a:prstGeom>
+          <a:solidFill>
+            <a:srgbClr val="00B0F0"/>
+          </a:solidFill>
+          <a:ln>
+            <a:noFill/>
+          </a:ln>
+        </p:spPr>
+        <p:style>
+          <a:lnRef idx="2">
+            <a:schemeClr val="accent6">
+              <a:shade val="50000"/>
+            </a:schemeClr>
+          </a:lnRef>
+          <a:fillRef idx="1">
+            <a:schemeClr val="accent6"/>
+          </a:fillRef>
+          <a:effectRef idx="0">
+            <a:schemeClr val="accent6"/>
+          </a:effectRef>
+          <a:fontRef idx="minor">
+            <a:schemeClr val="lt1"/>
+          </a:fontRef>
+        </p:style>
+        <p:txBody>
+          <a:bodyPr rtlCol="0" anchor="ctr"/>
+          <a:lstStyle/>
+          <a:p>
+            <a:pPr algn="ctr"/>
+            <a:endParaRPr lang="zh-CN" altLang="en-US">
+              <a:latin typeface="方正隶书简体" panose="02010601030101010101" pitchFamily="2" charset="-122"/>
+              <a:ea typeface="方正隶书简体" panose="02010601030101010101" pitchFamily="2" charset="-122"/>
+            </a:endParaRPr>
+          </a:p>
+        </p:txBody>
+      </p:sp>
+      <p:sp>
+        <p:nvSpPr>
+          <p:cNvPr id="22" name="矩形 21"/>
+          <p:cNvSpPr/>
+          <p:nvPr/>
+        </p:nvSpPr>
+        <p:spPr>
+          <a:xfrm>
+            <a:off x="1221698" y="579422"/>
+            <a:ext cx="6535712" cy="1644466"/>
+          </a:xfrm>
+          <a:prstGeom prst="rect">
+            <a:avLst/>
+          </a:prstGeom>
+          <a:solidFill>
+            <a:schemeClr val="accent4">
+              <a:lumMod val="60000"/>
+              <a:lumOff val="40000"/>
+            </a:schemeClr>
+          </a:solidFill>
+          <a:ln>
+            <a:noFill/>
+          </a:ln>
+        </p:spPr>
+        <p:style>
+          <a:lnRef idx="2">
+            <a:schemeClr val="accent6">
+              <a:shade val="50000"/>
+            </a:schemeClr>
+          </a:lnRef>
+          <a:fillRef idx="1">
+            <a:schemeClr val="accent6"/>
+          </a:fillRef>
+          <a:effectRef idx="0">
+            <a:schemeClr val="accent6"/>
+          </a:effectRef>
+          <a:fontRef idx="minor">
+            <a:schemeClr val="lt1"/>
+          </a:fontRef>
+        </p:style>
+        <p:txBody>
+          <a:bodyPr rtlCol="0" anchor="ctr"/>
+          <a:lstStyle/>
+          <a:p>
+            <a:pPr algn="ctr"/>
+            <a:endParaRPr lang="zh-CN" altLang="en-US">
+              <a:latin typeface="方正隶书简体" panose="02010601030101010101" pitchFamily="2" charset="-122"/>
+              <a:ea typeface="方正隶书简体" panose="02010601030101010101" pitchFamily="2" charset="-122"/>
+            </a:endParaRPr>
+          </a:p>
+        </p:txBody>
+      </p:sp>
+      <p:sp>
+        <p:nvSpPr>
+          <p:cNvPr id="37" name="矩形 36"/>
+          <p:cNvSpPr/>
+          <p:nvPr/>
+        </p:nvSpPr>
+        <p:spPr>
+          <a:xfrm>
+            <a:off x="1643871" y="5591332"/>
+            <a:ext cx="1539089" cy="394372"/>
+          </a:xfrm>
+          <a:prstGeom prst="rect">
+            <a:avLst/>
+          </a:prstGeom>
+          <a:ln>
+            <a:noFill/>
+          </a:ln>
+        </p:spPr>
+        <p:style>
+          <a:lnRef idx="2">
+            <a:schemeClr val="accent6">
+              <a:shade val="50000"/>
+            </a:schemeClr>
+          </a:lnRef>
+          <a:fillRef idx="1">
+            <a:schemeClr val="accent6"/>
+          </a:fillRef>
+          <a:effectRef idx="0">
+            <a:schemeClr val="accent6"/>
+          </a:effectRef>
+          <a:fontRef idx="minor">
+            <a:schemeClr val="lt1"/>
+          </a:fontRef>
+        </p:style>
+        <p:txBody>
+          <a:bodyPr rtlCol="0" anchor="ctr"/>
+          <a:lstStyle/>
+          <a:p>
+            <a:pPr algn="ctr"/>
+            <a:r>
+              <a:rPr lang="en-US" altLang="zh-CN" dirty="0" smtClean="0">
+                <a:latin typeface="方正隶书简体" panose="02010601030101010101" pitchFamily="2" charset="-122"/>
+                <a:ea typeface="方正隶书简体" panose="02010601030101010101" pitchFamily="2" charset="-122"/>
+              </a:rPr>
+              <a:t>Camera api2</a:t>
+            </a:r>
+            <a:endParaRPr lang="en-US" altLang="zh-CN" dirty="0" smtClean="0">
+              <a:latin typeface="方正隶书简体" panose="02010601030101010101" pitchFamily="2" charset="-122"/>
+              <a:ea typeface="方正隶书简体" panose="02010601030101010101" pitchFamily="2" charset="-122"/>
+            </a:endParaRPr>
+          </a:p>
+        </p:txBody>
+      </p:sp>
+      <p:sp>
+        <p:nvSpPr>
+          <p:cNvPr id="41" name="矩形 40"/>
+          <p:cNvSpPr/>
+          <p:nvPr/>
+        </p:nvSpPr>
+        <p:spPr>
+          <a:xfrm>
+            <a:off x="3453950" y="3511764"/>
+            <a:ext cx="1471070" cy="385872"/>
+          </a:xfrm>
+          <a:prstGeom prst="rect">
+            <a:avLst/>
+          </a:prstGeom>
+          <a:ln>
+            <a:noFill/>
+          </a:ln>
+        </p:spPr>
+        <p:style>
+          <a:lnRef idx="3">
+            <a:schemeClr val="lt1"/>
+          </a:lnRef>
+          <a:fillRef idx="1">
+            <a:schemeClr val="accent2"/>
+          </a:fillRef>
+          <a:effectRef idx="1">
+            <a:schemeClr val="accent2"/>
+          </a:effectRef>
+          <a:fontRef idx="minor">
+            <a:schemeClr val="lt1"/>
+          </a:fontRef>
+        </p:style>
+        <p:txBody>
+          <a:bodyPr rtlCol="0" anchor="ctr"/>
+          <a:lstStyle/>
+          <a:p>
+            <a:pPr algn="ctr"/>
+            <a:r>
+              <a:rPr lang="zh-CN" altLang="en-US" dirty="0" smtClean="0">
+                <a:latin typeface="方正隶书简体" panose="02010601030101010101" pitchFamily="2" charset="-122"/>
+                <a:ea typeface="方正隶书简体" panose="02010601030101010101" pitchFamily="2" charset="-122"/>
+              </a:rPr>
+              <a:t>日志</a:t>
+            </a:r>
+            <a:endParaRPr lang="zh-CN" altLang="en-US" dirty="0">
+              <a:latin typeface="方正隶书简体" panose="02010601030101010101" pitchFamily="2" charset="-122"/>
+              <a:ea typeface="方正隶书简体" panose="02010601030101010101" pitchFamily="2" charset="-122"/>
+            </a:endParaRPr>
+          </a:p>
+        </p:txBody>
+      </p:sp>
+      <p:sp>
+        <p:nvSpPr>
+          <p:cNvPr id="62" name="矩形 61"/>
+          <p:cNvSpPr/>
+          <p:nvPr/>
+        </p:nvSpPr>
+        <p:spPr>
+          <a:xfrm>
+            <a:off x="3453950" y="3039299"/>
+            <a:ext cx="1471070" cy="385872"/>
+          </a:xfrm>
+          <a:prstGeom prst="rect">
+            <a:avLst/>
+          </a:prstGeom>
+          <a:ln>
+            <a:noFill/>
+          </a:ln>
+        </p:spPr>
+        <p:style>
+          <a:lnRef idx="3">
+            <a:schemeClr val="lt1"/>
+          </a:lnRef>
+          <a:fillRef idx="1">
+            <a:schemeClr val="accent2"/>
+          </a:fillRef>
+          <a:effectRef idx="1">
+            <a:schemeClr val="accent2"/>
+          </a:effectRef>
+          <a:fontRef idx="minor">
+            <a:schemeClr val="lt1"/>
+          </a:fontRef>
+        </p:style>
+        <p:txBody>
+          <a:bodyPr rtlCol="0" anchor="ctr"/>
+          <a:lstStyle/>
+          <a:p>
+            <a:pPr algn="ctr"/>
+            <a:r>
+              <a:rPr lang="zh-CN" altLang="en-US" b="1" dirty="0">
+                <a:latin typeface="方正隶书简体" panose="02010601030101010101" pitchFamily="2" charset="-122"/>
+                <a:ea typeface="方正隶书简体" panose="02010601030101010101" pitchFamily="2" charset="-122"/>
+              </a:rPr>
+              <a:t>文件</a:t>
+            </a:r>
+            <a:endParaRPr lang="en-US" altLang="zh-CN" b="1" dirty="0">
+              <a:latin typeface="方正隶书简体" panose="02010601030101010101" pitchFamily="2" charset="-122"/>
+              <a:ea typeface="方正隶书简体" panose="02010601030101010101" pitchFamily="2" charset="-122"/>
+            </a:endParaRPr>
+          </a:p>
+        </p:txBody>
+      </p:sp>
+      <p:sp>
+        <p:nvSpPr>
+          <p:cNvPr id="70" name="矩形 69"/>
+          <p:cNvSpPr/>
+          <p:nvPr/>
+        </p:nvSpPr>
+        <p:spPr>
+          <a:xfrm>
+            <a:off x="1876782" y="3037719"/>
+            <a:ext cx="1471070" cy="385872"/>
+          </a:xfrm>
+          <a:prstGeom prst="rect">
+            <a:avLst/>
+          </a:prstGeom>
+          <a:ln>
+            <a:noFill/>
+          </a:ln>
+        </p:spPr>
+        <p:style>
+          <a:lnRef idx="3">
+            <a:schemeClr val="lt1"/>
+          </a:lnRef>
+          <a:fillRef idx="1">
+            <a:schemeClr val="accent2"/>
+          </a:fillRef>
+          <a:effectRef idx="1">
+            <a:schemeClr val="accent2"/>
+          </a:effectRef>
+          <a:fontRef idx="minor">
+            <a:schemeClr val="lt1"/>
+          </a:fontRef>
+        </p:style>
+        <p:txBody>
+          <a:bodyPr rtlCol="0" anchor="ctr"/>
+          <a:lstStyle/>
+          <a:p>
+            <a:pPr algn="ctr"/>
+            <a:r>
+              <a:rPr lang="zh-CN" altLang="en-US" b="1" dirty="0">
+                <a:latin typeface="方正隶书简体" panose="02010601030101010101" pitchFamily="2" charset="-122"/>
+                <a:ea typeface="方正隶书简体" panose="02010601030101010101" pitchFamily="2" charset="-122"/>
+              </a:rPr>
+              <a:t>滤镜</a:t>
+            </a:r>
+            <a:endParaRPr lang="en-US" altLang="zh-CN" b="1" dirty="0">
+              <a:latin typeface="方正隶书简体" panose="02010601030101010101" pitchFamily="2" charset="-122"/>
+              <a:ea typeface="方正隶书简体" panose="02010601030101010101" pitchFamily="2" charset="-122"/>
+            </a:endParaRPr>
+          </a:p>
+        </p:txBody>
+      </p:sp>
+      <p:sp>
+        <p:nvSpPr>
+          <p:cNvPr id="2" name="文本框 1"/>
+          <p:cNvSpPr txBox="1"/>
+          <p:nvPr/>
+        </p:nvSpPr>
+        <p:spPr>
+          <a:xfrm>
+            <a:off x="1221698" y="5439405"/>
+            <a:ext cx="400110" cy="812453"/>
+          </a:xfrm>
+          <a:prstGeom prst="rect">
+            <a:avLst/>
+          </a:prstGeom>
+          <a:noFill/>
+        </p:spPr>
+        <p:txBody>
+          <a:bodyPr vert="eaVert" wrap="square" rtlCol="0">
+            <a:spAutoFit/>
+          </a:bodyPr>
+          <a:lstStyle/>
+          <a:p>
+            <a:r>
+              <a:rPr lang="zh-CN" altLang="en-US" sz="1400" dirty="0" smtClean="0">
+                <a:latin typeface="方正隶书简体" panose="02010601030101010101" pitchFamily="2" charset="-122"/>
+                <a:ea typeface="方正隶书简体" panose="02010601030101010101" pitchFamily="2" charset="-122"/>
+              </a:rPr>
+              <a:t>系统平台</a:t>
+            </a:r>
+            <a:endParaRPr lang="zh-CN" altLang="en-US" sz="1400" dirty="0">
+              <a:latin typeface="方正隶书简体" panose="02010601030101010101" pitchFamily="2" charset="-122"/>
+              <a:ea typeface="方正隶书简体" panose="02010601030101010101" pitchFamily="2" charset="-122"/>
+            </a:endParaRPr>
+          </a:p>
+        </p:txBody>
+      </p:sp>
+      <p:sp>
+        <p:nvSpPr>
+          <p:cNvPr id="32" name="矩形 31"/>
+          <p:cNvSpPr/>
+          <p:nvPr/>
+        </p:nvSpPr>
+        <p:spPr>
+          <a:xfrm>
+            <a:off x="1221698" y="4282396"/>
+            <a:ext cx="10035914" cy="973820"/>
+          </a:xfrm>
+          <a:prstGeom prst="rect">
+            <a:avLst/>
+          </a:prstGeom>
+          <a:solidFill>
+            <a:srgbClr val="92D050"/>
+          </a:solidFill>
+          <a:ln>
+            <a:noFill/>
+          </a:ln>
+        </p:spPr>
+        <p:style>
+          <a:lnRef idx="2">
+            <a:schemeClr val="accent6">
+              <a:shade val="50000"/>
+            </a:schemeClr>
+          </a:lnRef>
+          <a:fillRef idx="1">
+            <a:schemeClr val="accent6"/>
+          </a:fillRef>
+          <a:effectRef idx="0">
+            <a:schemeClr val="accent6"/>
+          </a:effectRef>
+          <a:fontRef idx="minor">
+            <a:schemeClr val="lt1"/>
+          </a:fontRef>
+        </p:style>
+        <p:txBody>
+          <a:bodyPr rtlCol="0" anchor="ctr"/>
+          <a:lstStyle/>
+          <a:p>
+            <a:pPr algn="ctr"/>
+            <a:endParaRPr lang="zh-CN" altLang="en-US">
+              <a:latin typeface="方正隶书简体" panose="02010601030101010101" pitchFamily="2" charset="-122"/>
+              <a:ea typeface="方正隶书简体" panose="02010601030101010101" pitchFamily="2" charset="-122"/>
+            </a:endParaRPr>
+          </a:p>
+        </p:txBody>
+      </p:sp>
+      <p:sp>
+        <p:nvSpPr>
+          <p:cNvPr id="39" name="矩形 38"/>
+          <p:cNvSpPr/>
+          <p:nvPr/>
+        </p:nvSpPr>
+        <p:spPr>
+          <a:xfrm>
+            <a:off x="3605133" y="5591332"/>
+            <a:ext cx="1539089" cy="394372"/>
+          </a:xfrm>
+          <a:prstGeom prst="rect">
+            <a:avLst/>
+          </a:prstGeom>
+          <a:ln>
+            <a:noFill/>
+          </a:ln>
+        </p:spPr>
+        <p:style>
+          <a:lnRef idx="2">
+            <a:schemeClr val="accent6">
+              <a:shade val="50000"/>
+            </a:schemeClr>
+          </a:lnRef>
+          <a:fillRef idx="1">
+            <a:schemeClr val="accent6"/>
+          </a:fillRef>
+          <a:effectRef idx="0">
+            <a:schemeClr val="accent6"/>
+          </a:effectRef>
+          <a:fontRef idx="minor">
+            <a:schemeClr val="lt1"/>
+          </a:fontRef>
+        </p:style>
+        <p:txBody>
+          <a:bodyPr rtlCol="0" anchor="ctr"/>
+          <a:lstStyle/>
+          <a:p>
+            <a:pPr algn="ctr"/>
+            <a:r>
+              <a:rPr lang="en-US" altLang="zh-CN" dirty="0" smtClean="0">
+                <a:latin typeface="方正隶书简体" panose="02010601030101010101" pitchFamily="2" charset="-122"/>
+                <a:ea typeface="方正隶书简体" panose="02010601030101010101" pitchFamily="2" charset="-122"/>
+              </a:rPr>
+              <a:t>Graphic</a:t>
+            </a:r>
+            <a:endParaRPr lang="en-US" altLang="zh-CN" dirty="0" smtClean="0">
+              <a:latin typeface="方正隶书简体" panose="02010601030101010101" pitchFamily="2" charset="-122"/>
+              <a:ea typeface="方正隶书简体" panose="02010601030101010101" pitchFamily="2" charset="-122"/>
+            </a:endParaRPr>
+          </a:p>
+        </p:txBody>
+      </p:sp>
+      <p:sp>
+        <p:nvSpPr>
+          <p:cNvPr id="42" name="矩形 41"/>
+          <p:cNvSpPr/>
+          <p:nvPr/>
+        </p:nvSpPr>
+        <p:spPr>
+          <a:xfrm>
+            <a:off x="5485249" y="5591332"/>
+            <a:ext cx="1539089" cy="394372"/>
+          </a:xfrm>
+          <a:prstGeom prst="rect">
+            <a:avLst/>
+          </a:prstGeom>
+          <a:ln>
+            <a:noFill/>
+          </a:ln>
+        </p:spPr>
+        <p:style>
+          <a:lnRef idx="2">
+            <a:schemeClr val="accent6">
+              <a:shade val="50000"/>
+            </a:schemeClr>
+          </a:lnRef>
+          <a:fillRef idx="1">
+            <a:schemeClr val="accent6"/>
+          </a:fillRef>
+          <a:effectRef idx="0">
+            <a:schemeClr val="accent6"/>
+          </a:effectRef>
+          <a:fontRef idx="minor">
+            <a:schemeClr val="lt1"/>
+          </a:fontRef>
+        </p:style>
+        <p:txBody>
+          <a:bodyPr rtlCol="0" anchor="ctr"/>
+          <a:lstStyle/>
+          <a:p>
+            <a:pPr algn="ctr"/>
+            <a:r>
+              <a:rPr lang="en-US" altLang="zh-CN" dirty="0" smtClean="0">
+                <a:latin typeface="方正隶书简体" panose="02010601030101010101" pitchFamily="2" charset="-122"/>
+                <a:ea typeface="方正隶书简体" panose="02010601030101010101" pitchFamily="2" charset="-122"/>
+              </a:rPr>
+              <a:t>Video</a:t>
+            </a:r>
+            <a:endParaRPr lang="en-US" altLang="zh-CN" dirty="0" smtClean="0">
+              <a:latin typeface="方正隶书简体" panose="02010601030101010101" pitchFamily="2" charset="-122"/>
+              <a:ea typeface="方正隶书简体" panose="02010601030101010101" pitchFamily="2" charset="-122"/>
+            </a:endParaRPr>
+          </a:p>
+        </p:txBody>
+      </p:sp>
+      <p:sp>
+        <p:nvSpPr>
+          <p:cNvPr id="44" name="矩形 43"/>
+          <p:cNvSpPr/>
+          <p:nvPr/>
+        </p:nvSpPr>
+        <p:spPr>
+          <a:xfrm>
+            <a:off x="7365365" y="5591332"/>
+            <a:ext cx="1539089" cy="394372"/>
+          </a:xfrm>
+          <a:prstGeom prst="rect">
+            <a:avLst/>
+          </a:prstGeom>
+          <a:ln>
+            <a:noFill/>
+          </a:ln>
+        </p:spPr>
+        <p:style>
+          <a:lnRef idx="2">
+            <a:schemeClr val="accent6">
+              <a:shade val="50000"/>
+            </a:schemeClr>
+          </a:lnRef>
+          <a:fillRef idx="1">
+            <a:schemeClr val="accent6"/>
+          </a:fillRef>
+          <a:effectRef idx="0">
+            <a:schemeClr val="accent6"/>
+          </a:effectRef>
+          <a:fontRef idx="minor">
+            <a:schemeClr val="lt1"/>
+          </a:fontRef>
+        </p:style>
+        <p:txBody>
+          <a:bodyPr rtlCol="0" anchor="ctr"/>
+          <a:lstStyle/>
+          <a:p>
+            <a:pPr algn="ctr"/>
+            <a:r>
+              <a:rPr lang="en-US" altLang="zh-CN" dirty="0" smtClean="0">
+                <a:latin typeface="方正隶书简体" panose="02010601030101010101" pitchFamily="2" charset="-122"/>
+                <a:ea typeface="方正隶书简体" panose="02010601030101010101" pitchFamily="2" charset="-122"/>
+              </a:rPr>
+              <a:t>audio</a:t>
+            </a:r>
+            <a:endParaRPr lang="en-US" altLang="zh-CN" dirty="0" smtClean="0">
+              <a:latin typeface="方正隶书简体" panose="02010601030101010101" pitchFamily="2" charset="-122"/>
+              <a:ea typeface="方正隶书简体" panose="02010601030101010101" pitchFamily="2" charset="-122"/>
+            </a:endParaRPr>
+          </a:p>
+        </p:txBody>
+      </p:sp>
+      <p:sp>
+        <p:nvSpPr>
+          <p:cNvPr id="45" name="矩形 44"/>
+          <p:cNvSpPr/>
+          <p:nvPr/>
+        </p:nvSpPr>
+        <p:spPr>
+          <a:xfrm>
+            <a:off x="9311488" y="5591332"/>
+            <a:ext cx="1539089" cy="394372"/>
+          </a:xfrm>
+          <a:prstGeom prst="rect">
+            <a:avLst/>
+          </a:prstGeom>
+          <a:ln>
+            <a:noFill/>
+          </a:ln>
+        </p:spPr>
+        <p:style>
+          <a:lnRef idx="2">
+            <a:schemeClr val="accent6">
+              <a:shade val="50000"/>
+            </a:schemeClr>
+          </a:lnRef>
+          <a:fillRef idx="1">
+            <a:schemeClr val="accent6"/>
+          </a:fillRef>
+          <a:effectRef idx="0">
+            <a:schemeClr val="accent6"/>
+          </a:effectRef>
+          <a:fontRef idx="minor">
+            <a:schemeClr val="lt1"/>
+          </a:fontRef>
+        </p:style>
+        <p:txBody>
+          <a:bodyPr rtlCol="0" anchor="ctr"/>
+          <a:lstStyle/>
+          <a:p>
+            <a:pPr algn="ctr"/>
+            <a:r>
+              <a:rPr lang="en-US" altLang="zh-CN" dirty="0" smtClean="0">
+                <a:latin typeface="方正隶书简体" panose="02010601030101010101" pitchFamily="2" charset="-122"/>
+                <a:ea typeface="方正隶书简体" panose="02010601030101010101" pitchFamily="2" charset="-122"/>
+              </a:rPr>
+              <a:t>other</a:t>
+            </a:r>
+            <a:endParaRPr lang="en-US" altLang="zh-CN" dirty="0" smtClean="0">
+              <a:latin typeface="方正隶书简体" panose="02010601030101010101" pitchFamily="2" charset="-122"/>
+              <a:ea typeface="方正隶书简体" panose="02010601030101010101" pitchFamily="2" charset="-122"/>
+            </a:endParaRPr>
+          </a:p>
+        </p:txBody>
+      </p:sp>
+      <p:sp>
+        <p:nvSpPr>
+          <p:cNvPr id="46" name="文本框 45"/>
+          <p:cNvSpPr txBox="1"/>
+          <p:nvPr/>
+        </p:nvSpPr>
+        <p:spPr>
+          <a:xfrm>
+            <a:off x="1243761" y="4461781"/>
+            <a:ext cx="400110" cy="670960"/>
+          </a:xfrm>
+          <a:prstGeom prst="rect">
+            <a:avLst/>
+          </a:prstGeom>
+          <a:noFill/>
+        </p:spPr>
+        <p:txBody>
+          <a:bodyPr vert="eaVert" wrap="square" rtlCol="0">
+            <a:spAutoFit/>
+          </a:bodyPr>
+          <a:lstStyle/>
+          <a:p>
+            <a:r>
+              <a:rPr lang="zh-CN" altLang="en-US" sz="1400" dirty="0">
+                <a:latin typeface="方正隶书简体" panose="02010601030101010101" pitchFamily="2" charset="-122"/>
+                <a:ea typeface="方正隶书简体" panose="02010601030101010101" pitchFamily="2" charset="-122"/>
+              </a:rPr>
+              <a:t>接口层</a:t>
+            </a:r>
+          </a:p>
+        </p:txBody>
+      </p:sp>
+      <p:sp>
+        <p:nvSpPr>
+          <p:cNvPr id="47" name="文本框 46"/>
+          <p:cNvSpPr txBox="1"/>
+          <p:nvPr/>
+        </p:nvSpPr>
+        <p:spPr>
+          <a:xfrm>
+            <a:off x="1243761" y="2948941"/>
+            <a:ext cx="400110" cy="670960"/>
+          </a:xfrm>
+          <a:prstGeom prst="rect">
+            <a:avLst/>
+          </a:prstGeom>
+          <a:noFill/>
+        </p:spPr>
+        <p:txBody>
+          <a:bodyPr vert="eaVert" wrap="square" rtlCol="0">
+            <a:spAutoFit/>
+          </a:bodyPr>
+          <a:lstStyle/>
+          <a:p>
+            <a:r>
+              <a:rPr lang="zh-CN" altLang="en-US" sz="1400" dirty="0" smtClean="0">
+                <a:latin typeface="方正隶书简体" panose="02010601030101010101" pitchFamily="2" charset="-122"/>
+                <a:ea typeface="方正隶书简体" panose="02010601030101010101" pitchFamily="2" charset="-122"/>
+              </a:rPr>
+              <a:t>业务层</a:t>
+            </a:r>
+            <a:endParaRPr lang="zh-CN" altLang="en-US" sz="1400" dirty="0">
+              <a:latin typeface="方正隶书简体" panose="02010601030101010101" pitchFamily="2" charset="-122"/>
+              <a:ea typeface="方正隶书简体" panose="02010601030101010101" pitchFamily="2" charset="-122"/>
+            </a:endParaRPr>
+          </a:p>
+        </p:txBody>
+      </p:sp>
+      <p:sp>
+        <p:nvSpPr>
+          <p:cNvPr id="48" name="文本框 47"/>
+          <p:cNvSpPr txBox="1"/>
+          <p:nvPr/>
+        </p:nvSpPr>
+        <p:spPr>
+          <a:xfrm>
+            <a:off x="1243761" y="1066175"/>
+            <a:ext cx="400110" cy="670960"/>
+          </a:xfrm>
+          <a:prstGeom prst="rect">
+            <a:avLst/>
+          </a:prstGeom>
+          <a:noFill/>
+        </p:spPr>
+        <p:txBody>
+          <a:bodyPr vert="eaVert" wrap="square" rtlCol="0">
+            <a:spAutoFit/>
+          </a:bodyPr>
+          <a:lstStyle/>
+          <a:p>
+            <a:r>
+              <a:rPr lang="zh-CN" altLang="en-US" sz="1400" dirty="0" smtClean="0">
+                <a:latin typeface="方正隶书简体" panose="02010601030101010101" pitchFamily="2" charset="-122"/>
+                <a:ea typeface="方正隶书简体" panose="02010601030101010101" pitchFamily="2" charset="-122"/>
+              </a:rPr>
+              <a:t>表现层</a:t>
+            </a:r>
+            <a:endParaRPr lang="zh-CN" altLang="en-US" sz="1400" dirty="0">
+              <a:latin typeface="方正隶书简体" panose="02010601030101010101" pitchFamily="2" charset="-122"/>
+              <a:ea typeface="方正隶书简体" panose="02010601030101010101" pitchFamily="2" charset="-122"/>
+            </a:endParaRPr>
+          </a:p>
+        </p:txBody>
+      </p:sp>
+      <p:sp>
+        <p:nvSpPr>
+          <p:cNvPr id="49" name="矩形 48"/>
+          <p:cNvSpPr/>
+          <p:nvPr/>
+        </p:nvSpPr>
+        <p:spPr>
+          <a:xfrm>
+            <a:off x="3453950" y="2566834"/>
+            <a:ext cx="1471070" cy="385872"/>
+          </a:xfrm>
+          <a:prstGeom prst="rect">
+            <a:avLst/>
+          </a:prstGeom>
+          <a:ln>
+            <a:noFill/>
+          </a:ln>
+        </p:spPr>
+        <p:style>
+          <a:lnRef idx="3">
+            <a:schemeClr val="lt1"/>
+          </a:lnRef>
+          <a:fillRef idx="1">
+            <a:schemeClr val="accent2"/>
+          </a:fillRef>
+          <a:effectRef idx="1">
+            <a:schemeClr val="accent2"/>
+          </a:effectRef>
+          <a:fontRef idx="minor">
+            <a:schemeClr val="lt1"/>
+          </a:fontRef>
+        </p:style>
+        <p:txBody>
+          <a:bodyPr rtlCol="0" anchor="ctr"/>
+          <a:lstStyle/>
+          <a:p>
+            <a:pPr algn="ctr"/>
+            <a:r>
+              <a:rPr lang="zh-CN" altLang="en-US" b="1" dirty="0" smtClean="0">
+                <a:latin typeface="方正隶书简体" panose="02010601030101010101" pitchFamily="2" charset="-122"/>
+                <a:ea typeface="方正隶书简体" panose="02010601030101010101" pitchFamily="2" charset="-122"/>
+              </a:rPr>
+              <a:t>网络</a:t>
+            </a:r>
+            <a:endParaRPr lang="en-US" altLang="zh-CN" b="1" dirty="0">
+              <a:latin typeface="方正隶书简体" panose="02010601030101010101" pitchFamily="2" charset="-122"/>
+              <a:ea typeface="方正隶书简体" panose="02010601030101010101" pitchFamily="2" charset="-122"/>
+            </a:endParaRPr>
+          </a:p>
+        </p:txBody>
+      </p:sp>
+      <p:sp>
+        <p:nvSpPr>
+          <p:cNvPr id="3" name="矩形 2"/>
+          <p:cNvSpPr/>
+          <p:nvPr/>
+        </p:nvSpPr>
+        <p:spPr>
+          <a:xfrm>
+            <a:off x="9311488" y="2638268"/>
+            <a:ext cx="1169233" cy="388857"/>
+          </a:xfrm>
+          <a:prstGeom prst="rect">
+            <a:avLst/>
+          </a:prstGeom>
+          <a:ln>
+            <a:noFill/>
+          </a:ln>
+        </p:spPr>
+        <p:style>
+          <a:lnRef idx="3">
+            <a:schemeClr val="lt1"/>
+          </a:lnRef>
+          <a:fillRef idx="1">
+            <a:schemeClr val="accent6"/>
+          </a:fillRef>
+          <a:effectRef idx="1">
+            <a:schemeClr val="accent6"/>
+          </a:effectRef>
+          <a:fontRef idx="minor">
+            <a:schemeClr val="lt1"/>
+          </a:fontRef>
+        </p:style>
+        <p:txBody>
+          <a:bodyPr rtlCol="0" anchor="ctr"/>
+          <a:lstStyle/>
+          <a:p>
+            <a:pPr algn="ctr"/>
+            <a:r>
+              <a:rPr lang="zh-CN" altLang="en-US" dirty="0"/>
+              <a:t>可定制化</a:t>
+            </a:r>
+          </a:p>
+        </p:txBody>
+      </p:sp>
+      <p:sp>
+        <p:nvSpPr>
+          <p:cNvPr id="50" name="矩形 49"/>
+          <p:cNvSpPr/>
+          <p:nvPr/>
+        </p:nvSpPr>
+        <p:spPr>
+          <a:xfrm>
+            <a:off x="7964822" y="2638268"/>
+            <a:ext cx="1169233" cy="388857"/>
+          </a:xfrm>
+          <a:prstGeom prst="rect">
+            <a:avLst/>
+          </a:prstGeom>
+          <a:ln>
+            <a:noFill/>
+          </a:ln>
+        </p:spPr>
+        <p:style>
+          <a:lnRef idx="3">
+            <a:schemeClr val="lt1"/>
+          </a:lnRef>
+          <a:fillRef idx="1">
+            <a:schemeClr val="accent6"/>
+          </a:fillRef>
+          <a:effectRef idx="1">
+            <a:schemeClr val="accent6"/>
+          </a:effectRef>
+          <a:fontRef idx="minor">
+            <a:schemeClr val="lt1"/>
+          </a:fontRef>
+        </p:style>
+        <p:txBody>
+          <a:bodyPr rtlCol="0" anchor="ctr"/>
+          <a:lstStyle/>
+          <a:p>
+            <a:pPr algn="ctr"/>
+            <a:r>
+              <a:rPr lang="zh-CN" altLang="en-US" dirty="0" smtClean="0"/>
+              <a:t>可插件化</a:t>
+            </a:r>
+            <a:endParaRPr lang="zh-CN" altLang="en-US" dirty="0"/>
+          </a:p>
+        </p:txBody>
+      </p:sp>
+      <p:sp>
+        <p:nvSpPr>
+          <p:cNvPr id="51" name="矩形 50"/>
+          <p:cNvSpPr/>
+          <p:nvPr/>
+        </p:nvSpPr>
+        <p:spPr>
+          <a:xfrm>
+            <a:off x="7844903" y="579422"/>
+            <a:ext cx="3412709" cy="1644466"/>
+          </a:xfrm>
+          <a:prstGeom prst="rect">
+            <a:avLst/>
+          </a:prstGeom>
+          <a:solidFill>
+            <a:srgbClr val="00B050"/>
+          </a:solidFill>
+          <a:ln>
+            <a:noFill/>
+          </a:ln>
+        </p:spPr>
+        <p:style>
+          <a:lnRef idx="2">
+            <a:schemeClr val="accent6">
+              <a:shade val="50000"/>
+            </a:schemeClr>
+          </a:lnRef>
+          <a:fillRef idx="1">
+            <a:schemeClr val="accent6"/>
+          </a:fillRef>
+          <a:effectRef idx="0">
+            <a:schemeClr val="accent6"/>
+          </a:effectRef>
+          <a:fontRef idx="minor">
+            <a:schemeClr val="lt1"/>
+          </a:fontRef>
+        </p:style>
+        <p:txBody>
+          <a:bodyPr rtlCol="0" anchor="ctr"/>
+          <a:lstStyle/>
+          <a:p>
+            <a:pPr algn="ctr"/>
+            <a:endParaRPr lang="zh-CN" altLang="en-US">
+              <a:latin typeface="方正隶书简体" panose="02010601030101010101" pitchFamily="2" charset="-122"/>
+              <a:ea typeface="方正隶书简体" panose="02010601030101010101" pitchFamily="2" charset="-122"/>
+            </a:endParaRPr>
+          </a:p>
+        </p:txBody>
+      </p:sp>
+      <p:sp>
+        <p:nvSpPr>
+          <p:cNvPr id="53" name="矩形 52"/>
+          <p:cNvSpPr/>
+          <p:nvPr/>
+        </p:nvSpPr>
+        <p:spPr>
+          <a:xfrm>
+            <a:off x="1876782" y="873239"/>
+            <a:ext cx="798962" cy="385872"/>
+          </a:xfrm>
+          <a:prstGeom prst="rect">
+            <a:avLst/>
+          </a:prstGeom>
+          <a:ln>
+            <a:noFill/>
+          </a:ln>
+        </p:spPr>
+        <p:style>
+          <a:lnRef idx="3">
+            <a:schemeClr val="lt1"/>
+          </a:lnRef>
+          <a:fillRef idx="1">
+            <a:schemeClr val="accent2"/>
+          </a:fillRef>
+          <a:effectRef idx="1">
+            <a:schemeClr val="accent2"/>
+          </a:effectRef>
+          <a:fontRef idx="minor">
+            <a:schemeClr val="lt1"/>
+          </a:fontRef>
+        </p:style>
+        <p:txBody>
+          <a:bodyPr rtlCol="0" anchor="ctr"/>
+          <a:lstStyle/>
+          <a:p>
+            <a:pPr algn="ctr"/>
+            <a:r>
+              <a:rPr lang="zh-CN" altLang="en-US" b="1" dirty="0" smtClean="0">
+                <a:latin typeface="方正隶书简体" panose="02010601030101010101" pitchFamily="2" charset="-122"/>
+                <a:ea typeface="方正隶书简体" panose="02010601030101010101" pitchFamily="2" charset="-122"/>
+              </a:rPr>
+              <a:t>预览</a:t>
+            </a:r>
+            <a:endParaRPr lang="en-US" altLang="zh-CN" b="1" dirty="0">
+              <a:latin typeface="方正隶书简体" panose="02010601030101010101" pitchFamily="2" charset="-122"/>
+              <a:ea typeface="方正隶书简体" panose="02010601030101010101" pitchFamily="2" charset="-122"/>
+            </a:endParaRPr>
+          </a:p>
+        </p:txBody>
+      </p:sp>
+      <p:sp>
+        <p:nvSpPr>
+          <p:cNvPr id="54" name="矩形 53"/>
+          <p:cNvSpPr/>
+          <p:nvPr/>
+        </p:nvSpPr>
+        <p:spPr>
+          <a:xfrm>
+            <a:off x="2908655" y="873239"/>
+            <a:ext cx="1123699" cy="385872"/>
+          </a:xfrm>
+          <a:prstGeom prst="rect">
+            <a:avLst/>
+          </a:prstGeom>
+          <a:ln>
+            <a:noFill/>
+          </a:ln>
+        </p:spPr>
+        <p:style>
+          <a:lnRef idx="3">
+            <a:schemeClr val="lt1"/>
+          </a:lnRef>
+          <a:fillRef idx="1">
+            <a:schemeClr val="accent2"/>
+          </a:fillRef>
+          <a:effectRef idx="1">
+            <a:schemeClr val="accent2"/>
+          </a:effectRef>
+          <a:fontRef idx="minor">
+            <a:schemeClr val="lt1"/>
+          </a:fontRef>
+        </p:style>
+        <p:txBody>
+          <a:bodyPr rtlCol="0" anchor="ctr"/>
+          <a:lstStyle/>
+          <a:p>
+            <a:pPr algn="ctr"/>
+            <a:r>
+              <a:rPr lang="zh-CN" altLang="en-US" b="1" dirty="0" smtClean="0">
+                <a:latin typeface="方正隶书简体" panose="02010601030101010101" pitchFamily="2" charset="-122"/>
+                <a:ea typeface="方正隶书简体" panose="02010601030101010101" pitchFamily="2" charset="-122"/>
+              </a:rPr>
+              <a:t>对焦矩阵</a:t>
+            </a:r>
+            <a:endParaRPr lang="en-US" altLang="zh-CN" b="1" dirty="0">
+              <a:latin typeface="方正隶书简体" panose="02010601030101010101" pitchFamily="2" charset="-122"/>
+              <a:ea typeface="方正隶书简体" panose="02010601030101010101" pitchFamily="2" charset="-122"/>
+            </a:endParaRPr>
+          </a:p>
+        </p:txBody>
+      </p:sp>
+      <p:sp>
+        <p:nvSpPr>
+          <p:cNvPr id="55" name="矩形 54"/>
+          <p:cNvSpPr/>
+          <p:nvPr/>
+        </p:nvSpPr>
+        <p:spPr>
+          <a:xfrm>
+            <a:off x="4260499" y="873239"/>
+            <a:ext cx="1123699" cy="385872"/>
+          </a:xfrm>
+          <a:prstGeom prst="rect">
+            <a:avLst/>
+          </a:prstGeom>
+          <a:ln>
+            <a:noFill/>
+          </a:ln>
+        </p:spPr>
+        <p:style>
+          <a:lnRef idx="3">
+            <a:schemeClr val="lt1"/>
+          </a:lnRef>
+          <a:fillRef idx="1">
+            <a:schemeClr val="accent2"/>
+          </a:fillRef>
+          <a:effectRef idx="1">
+            <a:schemeClr val="accent2"/>
+          </a:effectRef>
+          <a:fontRef idx="minor">
+            <a:schemeClr val="lt1"/>
+          </a:fontRef>
+        </p:style>
+        <p:txBody>
+          <a:bodyPr rtlCol="0" anchor="ctr"/>
+          <a:lstStyle/>
+          <a:p>
+            <a:pPr algn="ctr"/>
+            <a:r>
+              <a:rPr lang="zh-CN" altLang="en-US" b="1" dirty="0" smtClean="0">
+                <a:latin typeface="方正隶书简体" panose="02010601030101010101" pitchFamily="2" charset="-122"/>
+                <a:ea typeface="方正隶书简体" panose="02010601030101010101" pitchFamily="2" charset="-122"/>
+              </a:rPr>
+              <a:t>模式菜单</a:t>
+            </a:r>
+            <a:endParaRPr lang="en-US" altLang="zh-CN" b="1" dirty="0">
+              <a:latin typeface="方正隶书简体" panose="02010601030101010101" pitchFamily="2" charset="-122"/>
+              <a:ea typeface="方正隶书简体" panose="02010601030101010101" pitchFamily="2" charset="-122"/>
+            </a:endParaRPr>
+          </a:p>
+        </p:txBody>
+      </p:sp>
+      <p:sp>
+        <p:nvSpPr>
+          <p:cNvPr id="56" name="矩形 55"/>
+          <p:cNvSpPr/>
+          <p:nvPr/>
+        </p:nvSpPr>
+        <p:spPr>
+          <a:xfrm>
+            <a:off x="5612344" y="873239"/>
+            <a:ext cx="923368" cy="385872"/>
+          </a:xfrm>
+          <a:prstGeom prst="rect">
+            <a:avLst/>
+          </a:prstGeom>
+          <a:ln>
+            <a:noFill/>
+          </a:ln>
+        </p:spPr>
+        <p:style>
+          <a:lnRef idx="3">
+            <a:schemeClr val="lt1"/>
+          </a:lnRef>
+          <a:fillRef idx="1">
+            <a:schemeClr val="accent2"/>
+          </a:fillRef>
+          <a:effectRef idx="1">
+            <a:schemeClr val="accent2"/>
+          </a:effectRef>
+          <a:fontRef idx="minor">
+            <a:schemeClr val="lt1"/>
+          </a:fontRef>
+        </p:style>
+        <p:txBody>
+          <a:bodyPr rtlCol="0" anchor="ctr"/>
+          <a:lstStyle/>
+          <a:p>
+            <a:pPr algn="ctr"/>
+            <a:r>
+              <a:rPr lang="zh-CN" altLang="en-US" b="1" dirty="0" smtClean="0">
+                <a:latin typeface="方正隶书简体" panose="02010601030101010101" pitchFamily="2" charset="-122"/>
+                <a:ea typeface="方正隶书简体" panose="02010601030101010101" pitchFamily="2" charset="-122"/>
+              </a:rPr>
+              <a:t>直方图</a:t>
+            </a:r>
+            <a:endParaRPr lang="en-US" altLang="zh-CN" b="1" dirty="0">
+              <a:latin typeface="方正隶书简体" panose="02010601030101010101" pitchFamily="2" charset="-122"/>
+              <a:ea typeface="方正隶书简体" panose="02010601030101010101" pitchFamily="2" charset="-122"/>
+            </a:endParaRPr>
+          </a:p>
+        </p:txBody>
+      </p:sp>
+      <p:sp>
+        <p:nvSpPr>
+          <p:cNvPr id="57" name="矩形 56"/>
+          <p:cNvSpPr/>
+          <p:nvPr/>
+        </p:nvSpPr>
+        <p:spPr>
+          <a:xfrm>
+            <a:off x="6763858" y="873239"/>
+            <a:ext cx="923368" cy="385872"/>
+          </a:xfrm>
+          <a:prstGeom prst="rect">
+            <a:avLst/>
+          </a:prstGeom>
+          <a:ln>
+            <a:noFill/>
+          </a:ln>
+        </p:spPr>
+        <p:style>
+          <a:lnRef idx="3">
+            <a:schemeClr val="lt1"/>
+          </a:lnRef>
+          <a:fillRef idx="1">
+            <a:schemeClr val="accent2"/>
+          </a:fillRef>
+          <a:effectRef idx="1">
+            <a:schemeClr val="accent2"/>
+          </a:effectRef>
+          <a:fontRef idx="minor">
+            <a:schemeClr val="lt1"/>
+          </a:fontRef>
+        </p:style>
+        <p:txBody>
+          <a:bodyPr rtlCol="0" anchor="ctr"/>
+          <a:lstStyle/>
+          <a:p>
+            <a:pPr algn="ctr"/>
+            <a:r>
+              <a:rPr lang="zh-CN" altLang="en-US" b="1" dirty="0" smtClean="0">
+                <a:latin typeface="方正隶书简体" panose="02010601030101010101" pitchFamily="2" charset="-122"/>
+                <a:ea typeface="方正隶书简体" panose="02010601030101010101" pitchFamily="2" charset="-122"/>
+              </a:rPr>
+              <a:t>测光表</a:t>
+            </a:r>
+            <a:endParaRPr lang="en-US" altLang="zh-CN" b="1" dirty="0">
+              <a:latin typeface="方正隶书简体" panose="02010601030101010101" pitchFamily="2" charset="-122"/>
+              <a:ea typeface="方正隶书简体" panose="02010601030101010101" pitchFamily="2" charset="-122"/>
+            </a:endParaRPr>
+          </a:p>
+        </p:txBody>
+      </p:sp>
+      <p:sp>
+        <p:nvSpPr>
+          <p:cNvPr id="58" name="矩形 57"/>
+          <p:cNvSpPr/>
+          <p:nvPr/>
+        </p:nvSpPr>
+        <p:spPr>
+          <a:xfrm>
+            <a:off x="3230943" y="1521440"/>
+            <a:ext cx="801412" cy="385872"/>
+          </a:xfrm>
+          <a:prstGeom prst="rect">
+            <a:avLst/>
+          </a:prstGeom>
+          <a:ln>
+            <a:noFill/>
+          </a:ln>
+        </p:spPr>
+        <p:style>
+          <a:lnRef idx="3">
+            <a:schemeClr val="lt1"/>
+          </a:lnRef>
+          <a:fillRef idx="1">
+            <a:schemeClr val="accent2"/>
+          </a:fillRef>
+          <a:effectRef idx="1">
+            <a:schemeClr val="accent2"/>
+          </a:effectRef>
+          <a:fontRef idx="minor">
+            <a:schemeClr val="lt1"/>
+          </a:fontRef>
+        </p:style>
+        <p:txBody>
+          <a:bodyPr rtlCol="0" anchor="ctr"/>
+          <a:lstStyle/>
+          <a:p>
+            <a:pPr algn="ctr"/>
+            <a:r>
+              <a:rPr lang="zh-CN" altLang="en-US" b="1" dirty="0" smtClean="0">
+                <a:latin typeface="方正隶书简体" panose="02010601030101010101" pitchFamily="2" charset="-122"/>
+                <a:ea typeface="方正隶书简体" panose="02010601030101010101" pitchFamily="2" charset="-122"/>
+              </a:rPr>
+              <a:t>设置</a:t>
+            </a:r>
+            <a:endParaRPr lang="en-US" altLang="zh-CN" b="1" dirty="0">
+              <a:latin typeface="方正隶书简体" panose="02010601030101010101" pitchFamily="2" charset="-122"/>
+              <a:ea typeface="方正隶书简体" panose="02010601030101010101" pitchFamily="2" charset="-122"/>
+            </a:endParaRPr>
+          </a:p>
+        </p:txBody>
+      </p:sp>
+      <p:sp>
+        <p:nvSpPr>
+          <p:cNvPr id="59" name="矩形 58"/>
+          <p:cNvSpPr/>
+          <p:nvPr/>
+        </p:nvSpPr>
+        <p:spPr>
+          <a:xfrm>
+            <a:off x="1876781" y="1521440"/>
+            <a:ext cx="1121251" cy="385872"/>
+          </a:xfrm>
+          <a:prstGeom prst="rect">
+            <a:avLst/>
+          </a:prstGeom>
+          <a:ln>
+            <a:noFill/>
+          </a:ln>
+        </p:spPr>
+        <p:style>
+          <a:lnRef idx="3">
+            <a:schemeClr val="lt1"/>
+          </a:lnRef>
+          <a:fillRef idx="1">
+            <a:schemeClr val="accent2"/>
+          </a:fillRef>
+          <a:effectRef idx="1">
+            <a:schemeClr val="accent2"/>
+          </a:effectRef>
+          <a:fontRef idx="minor">
+            <a:schemeClr val="lt1"/>
+          </a:fontRef>
+        </p:style>
+        <p:txBody>
+          <a:bodyPr rtlCol="0" anchor="ctr"/>
+          <a:lstStyle/>
+          <a:p>
+            <a:pPr algn="ctr"/>
+            <a:r>
+              <a:rPr lang="zh-CN" altLang="en-US" b="1" dirty="0" smtClean="0">
+                <a:latin typeface="方正隶书简体" panose="02010601030101010101" pitchFamily="2" charset="-122"/>
+                <a:ea typeface="方正隶书简体" panose="02010601030101010101" pitchFamily="2" charset="-122"/>
+              </a:rPr>
+              <a:t>快捷设置</a:t>
+            </a:r>
+            <a:endParaRPr lang="en-US" altLang="zh-CN" b="1" dirty="0">
+              <a:latin typeface="方正隶书简体" panose="02010601030101010101" pitchFamily="2" charset="-122"/>
+              <a:ea typeface="方正隶书简体" panose="02010601030101010101" pitchFamily="2" charset="-122"/>
+            </a:endParaRPr>
+          </a:p>
+        </p:txBody>
+      </p:sp>
+      <p:sp>
+        <p:nvSpPr>
+          <p:cNvPr id="60" name="矩形 59"/>
+          <p:cNvSpPr/>
+          <p:nvPr/>
+        </p:nvSpPr>
+        <p:spPr>
+          <a:xfrm>
+            <a:off x="4260499" y="1513883"/>
+            <a:ext cx="801412" cy="385872"/>
+          </a:xfrm>
+          <a:prstGeom prst="rect">
+            <a:avLst/>
+          </a:prstGeom>
+          <a:ln>
+            <a:noFill/>
+          </a:ln>
+        </p:spPr>
+        <p:style>
+          <a:lnRef idx="3">
+            <a:schemeClr val="lt1"/>
+          </a:lnRef>
+          <a:fillRef idx="1">
+            <a:schemeClr val="accent2"/>
+          </a:fillRef>
+          <a:effectRef idx="1">
+            <a:schemeClr val="accent2"/>
+          </a:effectRef>
+          <a:fontRef idx="minor">
+            <a:schemeClr val="lt1"/>
+          </a:fontRef>
+        </p:style>
+        <p:txBody>
+          <a:bodyPr rtlCol="0" anchor="ctr"/>
+          <a:lstStyle/>
+          <a:p>
+            <a:pPr algn="ctr"/>
+            <a:r>
+              <a:rPr lang="zh-CN" altLang="en-US" b="1" dirty="0" smtClean="0">
+                <a:latin typeface="方正隶书简体" panose="02010601030101010101" pitchFamily="2" charset="-122"/>
+                <a:ea typeface="方正隶书简体" panose="02010601030101010101" pitchFamily="2" charset="-122"/>
+              </a:rPr>
+              <a:t>图库</a:t>
+            </a:r>
+            <a:endParaRPr lang="en-US" altLang="zh-CN" b="1" dirty="0">
+              <a:latin typeface="方正隶书简体" panose="02010601030101010101" pitchFamily="2" charset="-122"/>
+              <a:ea typeface="方正隶书简体" panose="02010601030101010101" pitchFamily="2" charset="-122"/>
+            </a:endParaRPr>
+          </a:p>
+        </p:txBody>
+      </p:sp>
+      <p:sp>
+        <p:nvSpPr>
+          <p:cNvPr id="61" name="矩形 60"/>
+          <p:cNvSpPr/>
+          <p:nvPr/>
+        </p:nvSpPr>
+        <p:spPr>
+          <a:xfrm>
+            <a:off x="5384198" y="1513883"/>
+            <a:ext cx="1151514" cy="385872"/>
+          </a:xfrm>
+          <a:prstGeom prst="rect">
+            <a:avLst/>
+          </a:prstGeom>
+          <a:ln>
+            <a:noFill/>
+          </a:ln>
+        </p:spPr>
+        <p:style>
+          <a:lnRef idx="3">
+            <a:schemeClr val="lt1"/>
+          </a:lnRef>
+          <a:fillRef idx="1">
+            <a:schemeClr val="accent2"/>
+          </a:fillRef>
+          <a:effectRef idx="1">
+            <a:schemeClr val="accent2"/>
+          </a:effectRef>
+          <a:fontRef idx="minor">
+            <a:schemeClr val="lt1"/>
+          </a:fontRef>
+        </p:style>
+        <p:txBody>
+          <a:bodyPr rtlCol="0" anchor="ctr"/>
+          <a:lstStyle/>
+          <a:p>
+            <a:pPr algn="ctr"/>
+            <a:r>
+              <a:rPr lang="zh-CN" altLang="en-US" b="1" dirty="0" smtClean="0">
+                <a:latin typeface="方正隶书简体" panose="02010601030101010101" pitchFamily="2" charset="-122"/>
+                <a:ea typeface="方正隶书简体" panose="02010601030101010101" pitchFamily="2" charset="-122"/>
+              </a:rPr>
+              <a:t>变焦组件</a:t>
+            </a:r>
+            <a:endParaRPr lang="en-US" altLang="zh-CN" b="1" dirty="0">
+              <a:latin typeface="方正隶书简体" panose="02010601030101010101" pitchFamily="2" charset="-122"/>
+              <a:ea typeface="方正隶书简体" panose="02010601030101010101" pitchFamily="2" charset="-122"/>
+            </a:endParaRPr>
+          </a:p>
+        </p:txBody>
+      </p:sp>
+      <p:sp>
+        <p:nvSpPr>
+          <p:cNvPr id="63" name="矩形 62"/>
+          <p:cNvSpPr/>
+          <p:nvPr/>
+        </p:nvSpPr>
+        <p:spPr>
+          <a:xfrm>
+            <a:off x="1876782" y="2563069"/>
+            <a:ext cx="1471070" cy="385872"/>
+          </a:xfrm>
+          <a:prstGeom prst="rect">
+            <a:avLst/>
+          </a:prstGeom>
+          <a:ln>
+            <a:noFill/>
+          </a:ln>
+        </p:spPr>
+        <p:style>
+          <a:lnRef idx="3">
+            <a:schemeClr val="lt1"/>
+          </a:lnRef>
+          <a:fillRef idx="1">
+            <a:schemeClr val="accent2"/>
+          </a:fillRef>
+          <a:effectRef idx="1">
+            <a:schemeClr val="accent2"/>
+          </a:effectRef>
+          <a:fontRef idx="minor">
+            <a:schemeClr val="lt1"/>
+          </a:fontRef>
+        </p:style>
+        <p:txBody>
+          <a:bodyPr rtlCol="0" anchor="ctr"/>
+          <a:lstStyle/>
+          <a:p>
+            <a:pPr algn="ctr"/>
+            <a:r>
+              <a:rPr lang="zh-CN" altLang="en-US" b="1" dirty="0" smtClean="0">
+                <a:latin typeface="方正隶书简体" panose="02010601030101010101" pitchFamily="2" charset="-122"/>
+                <a:ea typeface="方正隶书简体" panose="02010601030101010101" pitchFamily="2" charset="-122"/>
+              </a:rPr>
+              <a:t>图像处理</a:t>
+            </a:r>
+            <a:endParaRPr lang="en-US" altLang="zh-CN" b="1" dirty="0">
+              <a:latin typeface="方正隶书简体" panose="02010601030101010101" pitchFamily="2" charset="-122"/>
+              <a:ea typeface="方正隶书简体" panose="02010601030101010101" pitchFamily="2" charset="-122"/>
+            </a:endParaRPr>
+          </a:p>
+        </p:txBody>
+      </p:sp>
+      <p:sp>
+        <p:nvSpPr>
+          <p:cNvPr id="65" name="文本框 64"/>
+          <p:cNvSpPr txBox="1"/>
+          <p:nvPr/>
+        </p:nvSpPr>
+        <p:spPr>
+          <a:xfrm>
+            <a:off x="7848225" y="1066175"/>
+            <a:ext cx="400110" cy="670960"/>
+          </a:xfrm>
+          <a:prstGeom prst="rect">
+            <a:avLst/>
+          </a:prstGeom>
+          <a:noFill/>
+        </p:spPr>
+        <p:txBody>
+          <a:bodyPr vert="eaVert" wrap="square" rtlCol="0">
+            <a:spAutoFit/>
+          </a:bodyPr>
+          <a:lstStyle/>
+          <a:p>
+            <a:r>
+              <a:rPr lang="zh-CN" altLang="en-US" sz="1400" dirty="0" smtClean="0">
+                <a:latin typeface="方正隶书简体" panose="02010601030101010101" pitchFamily="2" charset="-122"/>
+                <a:ea typeface="方正隶书简体" panose="02010601030101010101" pitchFamily="2" charset="-122"/>
+              </a:rPr>
+              <a:t>插件层</a:t>
+            </a:r>
+            <a:endParaRPr lang="zh-CN" altLang="en-US" sz="1400" dirty="0">
+              <a:latin typeface="方正隶书简体" panose="02010601030101010101" pitchFamily="2" charset="-122"/>
+              <a:ea typeface="方正隶书简体" panose="02010601030101010101" pitchFamily="2" charset="-122"/>
+            </a:endParaRPr>
+          </a:p>
+        </p:txBody>
+      </p:sp>
+    </p:spTree>
+    <p:extLst>
+      <p:ext uri="{BB962C8B-B14F-4D97-AF65-F5344CB8AC3E}">
+        <p14:creationId xmlns:p14="http://schemas.microsoft.com/office/powerpoint/2010/main" val="2412739301"/>
+      </p:ext>
+    </p:extLst>
+  </p:cSld>
+  <p:clrMapOvr>
+    <a:masterClrMapping/>
+  </p:clrMapOvr>
+</p:sld>
+</file>
+
+<file path=ppt/slides/slide3.xml><?xml version="1.0" encoding="utf-8"?>
+<p:sld xmlns:a="http://schemas.openxmlformats.org/drawingml/2006/main" xmlns:r="http://schemas.openxmlformats.org/officeDocument/2006/relationships" xmlns:p="http://schemas.openxmlformats.org/presentationml/2006/main">
+  <p:cSld>
+    <p:spTree>
+      <p:nvGrpSpPr>
+        <p:cNvPr id="1" name=""/>
+        <p:cNvGrpSpPr/>
+        <p:nvPr/>
+      </p:nvGrpSpPr>
+      <p:grpSpPr>
+        <a:xfrm>
+          <a:off x="0" y="0"/>
+          <a:ext cx="0" cy="0"/>
+          <a:chOff x="0" y="0"/>
+          <a:chExt cx="0" cy="0"/>
+        </a:xfrm>
+      </p:grpSpPr>
+      <p:sp>
+        <p:nvSpPr>
           <p:cNvPr id="2" name="圆角矩形 1"/>
           <p:cNvSpPr/>
           <p:nvPr/>
@@ -4755,609 +6285,6 @@
 </p:sld>
 </file>
 
-<file path=ppt/slides/slide3.xml><?xml version="1.0" encoding="utf-8"?>
-<p:sld xmlns:a="http://schemas.openxmlformats.org/drawingml/2006/main" xmlns:r="http://schemas.openxmlformats.org/officeDocument/2006/relationships" xmlns:p="http://schemas.openxmlformats.org/presentationml/2006/main">
-  <p:cSld>
-    <p:spTree>
-      <p:nvGrpSpPr>
-        <p:cNvPr id="1" name=""/>
-        <p:cNvGrpSpPr/>
-        <p:nvPr/>
-      </p:nvGrpSpPr>
-      <p:grpSpPr>
-        <a:xfrm>
-          <a:off x="0" y="0"/>
-          <a:ext cx="0" cy="0"/>
-          <a:chOff x="0" y="0"/>
-          <a:chExt cx="0" cy="0"/>
-        </a:xfrm>
-      </p:grpSpPr>
-      <p:sp>
-        <p:nvSpPr>
-          <p:cNvPr id="4" name="圆角矩形 3"/>
-          <p:cNvSpPr/>
-          <p:nvPr/>
-        </p:nvSpPr>
-        <p:spPr>
-          <a:xfrm>
-            <a:off x="1516876" y="1615156"/>
-            <a:ext cx="3059395" cy="2213360"/>
-          </a:xfrm>
-          <a:prstGeom prst="roundRect">
-            <a:avLst/>
-          </a:prstGeom>
-        </p:spPr>
-        <p:style>
-          <a:lnRef idx="2">
-            <a:schemeClr val="accent6">
-              <a:shade val="50000"/>
-            </a:schemeClr>
-          </a:lnRef>
-          <a:fillRef idx="1">
-            <a:schemeClr val="accent6"/>
-          </a:fillRef>
-          <a:effectRef idx="0">
-            <a:schemeClr val="accent6"/>
-          </a:effectRef>
-          <a:fontRef idx="minor">
-            <a:schemeClr val="lt1"/>
-          </a:fontRef>
-        </p:style>
-        <p:txBody>
-          <a:bodyPr rtlCol="0" anchor="ctr"/>
-          <a:lstStyle/>
-          <a:p>
-            <a:pPr algn="ctr"/>
-            <a:endParaRPr lang="zh-CN" altLang="en-US" dirty="0"/>
-          </a:p>
-        </p:txBody>
-      </p:sp>
-      <p:sp>
-        <p:nvSpPr>
-          <p:cNvPr id="5" name="圆角矩形 4"/>
-          <p:cNvSpPr/>
-          <p:nvPr/>
-        </p:nvSpPr>
-        <p:spPr>
-          <a:xfrm>
-            <a:off x="2341548" y="1841620"/>
-            <a:ext cx="1410056" cy="401653"/>
-          </a:xfrm>
-          <a:prstGeom prst="roundRect">
-            <a:avLst/>
-          </a:prstGeom>
-        </p:spPr>
-        <p:style>
-          <a:lnRef idx="2">
-            <a:schemeClr val="accent4">
-              <a:shade val="50000"/>
-            </a:schemeClr>
-          </a:lnRef>
-          <a:fillRef idx="1">
-            <a:schemeClr val="accent4"/>
-          </a:fillRef>
-          <a:effectRef idx="0">
-            <a:schemeClr val="accent4"/>
-          </a:effectRef>
-          <a:fontRef idx="minor">
-            <a:schemeClr val="lt1"/>
-          </a:fontRef>
-        </p:style>
-        <p:txBody>
-          <a:bodyPr rtlCol="0" anchor="ctr"/>
-          <a:lstStyle/>
-          <a:p>
-            <a:pPr algn="ctr"/>
-            <a:r>
-              <a:rPr lang="en-US" altLang="zh-CN" dirty="0" smtClean="0"/>
-              <a:t>JavaBean</a:t>
-            </a:r>
-          </a:p>
-        </p:txBody>
-      </p:sp>
-      <p:sp>
-        <p:nvSpPr>
-          <p:cNvPr id="6" name="圆角矩形 5"/>
-          <p:cNvSpPr/>
-          <p:nvPr/>
-        </p:nvSpPr>
-        <p:spPr>
-          <a:xfrm>
-            <a:off x="2341548" y="2328730"/>
-            <a:ext cx="1410056" cy="401653"/>
-          </a:xfrm>
-          <a:prstGeom prst="roundRect">
-            <a:avLst/>
-          </a:prstGeom>
-        </p:spPr>
-        <p:style>
-          <a:lnRef idx="2">
-            <a:schemeClr val="accent4">
-              <a:shade val="50000"/>
-            </a:schemeClr>
-          </a:lnRef>
-          <a:fillRef idx="1">
-            <a:schemeClr val="accent4"/>
-          </a:fillRef>
-          <a:effectRef idx="0">
-            <a:schemeClr val="accent4"/>
-          </a:effectRef>
-          <a:fontRef idx="minor">
-            <a:schemeClr val="lt1"/>
-          </a:fontRef>
-        </p:style>
-        <p:txBody>
-          <a:bodyPr rtlCol="0" anchor="ctr"/>
-          <a:lstStyle/>
-          <a:p>
-            <a:pPr algn="ctr"/>
-            <a:r>
-              <a:rPr lang="en-US" altLang="zh-CN" dirty="0" smtClean="0"/>
-              <a:t>POJO</a:t>
-            </a:r>
-          </a:p>
-        </p:txBody>
-      </p:sp>
-      <p:sp>
-        <p:nvSpPr>
-          <p:cNvPr id="7" name="圆角矩形 6"/>
-          <p:cNvSpPr/>
-          <p:nvPr/>
-        </p:nvSpPr>
-        <p:spPr>
-          <a:xfrm>
-            <a:off x="7879219" y="1615156"/>
-            <a:ext cx="3059395" cy="2213360"/>
-          </a:xfrm>
-          <a:prstGeom prst="roundRect">
-            <a:avLst/>
-          </a:prstGeom>
-        </p:spPr>
-        <p:style>
-          <a:lnRef idx="2">
-            <a:schemeClr val="accent6">
-              <a:shade val="50000"/>
-            </a:schemeClr>
-          </a:lnRef>
-          <a:fillRef idx="1">
-            <a:schemeClr val="accent6"/>
-          </a:fillRef>
-          <a:effectRef idx="0">
-            <a:schemeClr val="accent6"/>
-          </a:effectRef>
-          <a:fontRef idx="minor">
-            <a:schemeClr val="lt1"/>
-          </a:fontRef>
-        </p:style>
-        <p:txBody>
-          <a:bodyPr rtlCol="0" anchor="ctr"/>
-          <a:lstStyle/>
-          <a:p>
-            <a:pPr algn="ctr"/>
-            <a:endParaRPr lang="zh-CN" altLang="en-US"/>
-          </a:p>
-        </p:txBody>
-      </p:sp>
-      <p:sp>
-        <p:nvSpPr>
-          <p:cNvPr id="8" name="圆角矩形 7"/>
-          <p:cNvSpPr/>
-          <p:nvPr/>
-        </p:nvSpPr>
-        <p:spPr>
-          <a:xfrm>
-            <a:off x="8614160" y="1854438"/>
-            <a:ext cx="1589518" cy="410198"/>
-          </a:xfrm>
-          <a:prstGeom prst="roundRect">
-            <a:avLst/>
-          </a:prstGeom>
-        </p:spPr>
-        <p:style>
-          <a:lnRef idx="2">
-            <a:schemeClr val="accent4">
-              <a:shade val="50000"/>
-            </a:schemeClr>
-          </a:lnRef>
-          <a:fillRef idx="1">
-            <a:schemeClr val="accent4"/>
-          </a:fillRef>
-          <a:effectRef idx="0">
-            <a:schemeClr val="accent4"/>
-          </a:effectRef>
-          <a:fontRef idx="minor">
-            <a:schemeClr val="lt1"/>
-          </a:fontRef>
-        </p:style>
-        <p:txBody>
-          <a:bodyPr rtlCol="0" anchor="ctr"/>
-          <a:lstStyle/>
-          <a:p>
-            <a:pPr algn="ctr"/>
-            <a:r>
-              <a:rPr lang="en-US" altLang="zh-CN" dirty="0" smtClean="0"/>
-              <a:t>&lt;data&gt;</a:t>
-            </a:r>
-            <a:endParaRPr lang="zh-CN" altLang="en-US" dirty="0"/>
-          </a:p>
-        </p:txBody>
-      </p:sp>
-      <p:sp>
-        <p:nvSpPr>
-          <p:cNvPr id="9" name="圆角矩形 8"/>
-          <p:cNvSpPr/>
-          <p:nvPr/>
-        </p:nvSpPr>
-        <p:spPr>
-          <a:xfrm>
-            <a:off x="8597069" y="2341548"/>
-            <a:ext cx="1589518" cy="410198"/>
-          </a:xfrm>
-          <a:prstGeom prst="roundRect">
-            <a:avLst/>
-          </a:prstGeom>
-        </p:spPr>
-        <p:style>
-          <a:lnRef idx="2">
-            <a:schemeClr val="accent4">
-              <a:shade val="50000"/>
-            </a:schemeClr>
-          </a:lnRef>
-          <a:fillRef idx="1">
-            <a:schemeClr val="accent4"/>
-          </a:fillRef>
-          <a:effectRef idx="0">
-            <a:schemeClr val="accent4"/>
-          </a:effectRef>
-          <a:fontRef idx="minor">
-            <a:schemeClr val="lt1"/>
-          </a:fontRef>
-        </p:style>
-        <p:txBody>
-          <a:bodyPr rtlCol="0" anchor="ctr"/>
-          <a:lstStyle/>
-          <a:p>
-            <a:pPr algn="ctr"/>
-            <a:r>
-              <a:rPr lang="en-US" altLang="zh-CN" dirty="0" smtClean="0"/>
-              <a:t>View</a:t>
-            </a:r>
-          </a:p>
-        </p:txBody>
-      </p:sp>
-      <p:sp>
-        <p:nvSpPr>
-          <p:cNvPr id="10" name="矩形 9"/>
-          <p:cNvSpPr/>
-          <p:nvPr/>
-        </p:nvSpPr>
-        <p:spPr>
-          <a:xfrm>
-            <a:off x="5076201" y="324740"/>
-            <a:ext cx="2238999" cy="717847"/>
-          </a:xfrm>
-          <a:prstGeom prst="rect">
-            <a:avLst/>
-          </a:prstGeom>
-        </p:spPr>
-        <p:style>
-          <a:lnRef idx="1">
-            <a:schemeClr val="accent2"/>
-          </a:lnRef>
-          <a:fillRef idx="3">
-            <a:schemeClr val="accent2"/>
-          </a:fillRef>
-          <a:effectRef idx="2">
-            <a:schemeClr val="accent2"/>
-          </a:effectRef>
-          <a:fontRef idx="minor">
-            <a:schemeClr val="lt1"/>
-          </a:fontRef>
-        </p:style>
-        <p:txBody>
-          <a:bodyPr rtlCol="0" anchor="ctr"/>
-          <a:lstStyle/>
-          <a:p>
-            <a:pPr algn="ctr"/>
-            <a:r>
-              <a:rPr lang="en-US" altLang="zh-CN" dirty="0" err="1" smtClean="0"/>
-              <a:t>ActivityMainBinding</a:t>
-            </a:r>
-            <a:endParaRPr lang="zh-CN" altLang="en-US" dirty="0"/>
-          </a:p>
-        </p:txBody>
-      </p:sp>
-      <p:sp>
-        <p:nvSpPr>
-          <p:cNvPr id="11" name="矩形 10"/>
-          <p:cNvSpPr/>
-          <p:nvPr/>
-        </p:nvSpPr>
-        <p:spPr>
-          <a:xfrm>
-            <a:off x="5161660" y="4178893"/>
-            <a:ext cx="2068082" cy="615298"/>
-          </a:xfrm>
-          <a:prstGeom prst="rect">
-            <a:avLst/>
-          </a:prstGeom>
-        </p:spPr>
-        <p:style>
-          <a:lnRef idx="1">
-            <a:schemeClr val="accent1"/>
-          </a:lnRef>
-          <a:fillRef idx="3">
-            <a:schemeClr val="accent1"/>
-          </a:fillRef>
-          <a:effectRef idx="2">
-            <a:schemeClr val="accent1"/>
-          </a:effectRef>
-          <a:fontRef idx="minor">
-            <a:schemeClr val="lt1"/>
-          </a:fontRef>
-        </p:style>
-        <p:txBody>
-          <a:bodyPr rtlCol="0" anchor="ctr"/>
-          <a:lstStyle/>
-          <a:p>
-            <a:pPr algn="ctr"/>
-            <a:r>
-              <a:rPr lang="en-US" altLang="zh-CN" dirty="0" err="1" smtClean="0"/>
-              <a:t>MainActivity</a:t>
-            </a:r>
-            <a:endParaRPr lang="en-US" altLang="zh-CN" dirty="0" smtClean="0"/>
-          </a:p>
-        </p:txBody>
-      </p:sp>
-      <p:sp>
-        <p:nvSpPr>
-          <p:cNvPr id="14" name="文本框 13"/>
-          <p:cNvSpPr txBox="1"/>
-          <p:nvPr/>
-        </p:nvSpPr>
-        <p:spPr>
-          <a:xfrm>
-            <a:off x="2300951" y="3459184"/>
-            <a:ext cx="1491243" cy="369332"/>
-          </a:xfrm>
-          <a:prstGeom prst="rect">
-            <a:avLst/>
-          </a:prstGeom>
-          <a:noFill/>
-        </p:spPr>
-        <p:txBody>
-          <a:bodyPr wrap="square" rtlCol="0">
-            <a:spAutoFit/>
-          </a:bodyPr>
-          <a:lstStyle/>
-          <a:p>
-            <a:r>
-              <a:rPr lang="en-US" altLang="zh-CN" dirty="0" err="1" smtClean="0"/>
-              <a:t>ViewModule</a:t>
-            </a:r>
-            <a:endParaRPr lang="zh-CN" altLang="en-US" dirty="0"/>
-          </a:p>
-        </p:txBody>
-      </p:sp>
-      <p:sp>
-        <p:nvSpPr>
-          <p:cNvPr id="15" name="文本框 14"/>
-          <p:cNvSpPr txBox="1"/>
-          <p:nvPr/>
-        </p:nvSpPr>
-        <p:spPr>
-          <a:xfrm>
-            <a:off x="8663296" y="3459184"/>
-            <a:ext cx="1491243" cy="369332"/>
-          </a:xfrm>
-          <a:prstGeom prst="rect">
-            <a:avLst/>
-          </a:prstGeom>
-          <a:noFill/>
-        </p:spPr>
-        <p:txBody>
-          <a:bodyPr wrap="square" rtlCol="0">
-            <a:spAutoFit/>
-          </a:bodyPr>
-          <a:lstStyle/>
-          <a:p>
-            <a:r>
-              <a:rPr lang="en-US" altLang="zh-CN" dirty="0" err="1" smtClean="0"/>
-              <a:t>Activity_main</a:t>
-            </a:r>
-            <a:endParaRPr lang="zh-CN" altLang="en-US" dirty="0"/>
-          </a:p>
-        </p:txBody>
-      </p:sp>
-      <p:cxnSp>
-        <p:nvCxnSpPr>
-          <p:cNvPr id="17" name="直接箭头连接符 16"/>
-          <p:cNvCxnSpPr>
-            <a:stCxn id="7" idx="1"/>
-            <a:endCxn id="10" idx="2"/>
-          </p:cNvCxnSpPr>
-          <p:nvPr/>
-        </p:nvCxnSpPr>
-        <p:spPr>
-          <a:xfrm flipH="1" flipV="1">
-            <a:off x="6195701" y="1042587"/>
-            <a:ext cx="1683518" cy="1679249"/>
-          </a:xfrm>
-          <a:prstGeom prst="straightConnector1">
-            <a:avLst/>
-          </a:prstGeom>
-          <a:ln>
-            <a:tailEnd type="triangle"/>
-          </a:ln>
-        </p:spPr>
-        <p:style>
-          <a:lnRef idx="3">
-            <a:schemeClr val="accent5"/>
-          </a:lnRef>
-          <a:fillRef idx="0">
-            <a:schemeClr val="accent5"/>
-          </a:fillRef>
-          <a:effectRef idx="2">
-            <a:schemeClr val="accent5"/>
-          </a:effectRef>
-          <a:fontRef idx="minor">
-            <a:schemeClr val="tx1"/>
-          </a:fontRef>
-        </p:style>
-      </p:cxnSp>
-      <p:cxnSp>
-        <p:nvCxnSpPr>
-          <p:cNvPr id="19" name="直接箭头连接符 18"/>
-          <p:cNvCxnSpPr>
-            <a:stCxn id="10" idx="2"/>
-            <a:endCxn id="11" idx="0"/>
-          </p:cNvCxnSpPr>
-          <p:nvPr/>
-        </p:nvCxnSpPr>
-        <p:spPr>
-          <a:xfrm>
-            <a:off x="6195701" y="1042587"/>
-            <a:ext cx="0" cy="3136306"/>
-          </a:xfrm>
-          <a:prstGeom prst="straightConnector1">
-            <a:avLst/>
-          </a:prstGeom>
-          <a:ln>
-            <a:tailEnd type="triangle"/>
-          </a:ln>
-        </p:spPr>
-        <p:style>
-          <a:lnRef idx="3">
-            <a:schemeClr val="accent5"/>
-          </a:lnRef>
-          <a:fillRef idx="0">
-            <a:schemeClr val="accent5"/>
-          </a:fillRef>
-          <a:effectRef idx="2">
-            <a:schemeClr val="accent5"/>
-          </a:effectRef>
-          <a:fontRef idx="minor">
-            <a:schemeClr val="tx1"/>
-          </a:fontRef>
-        </p:style>
-      </p:cxnSp>
-      <p:cxnSp>
-        <p:nvCxnSpPr>
-          <p:cNvPr id="21" name="直接箭头连接符 20"/>
-          <p:cNvCxnSpPr>
-            <a:stCxn id="4" idx="3"/>
-            <a:endCxn id="11" idx="0"/>
-          </p:cNvCxnSpPr>
-          <p:nvPr/>
-        </p:nvCxnSpPr>
-        <p:spPr>
-          <a:xfrm>
-            <a:off x="4576271" y="2721836"/>
-            <a:ext cx="1619430" cy="1457057"/>
-          </a:xfrm>
-          <a:prstGeom prst="straightConnector1">
-            <a:avLst/>
-          </a:prstGeom>
-          <a:ln>
-            <a:tailEnd type="triangle"/>
-          </a:ln>
-        </p:spPr>
-        <p:style>
-          <a:lnRef idx="3">
-            <a:schemeClr val="accent5"/>
-          </a:lnRef>
-          <a:fillRef idx="0">
-            <a:schemeClr val="accent5"/>
-          </a:fillRef>
-          <a:effectRef idx="2">
-            <a:schemeClr val="accent5"/>
-          </a:effectRef>
-          <a:fontRef idx="minor">
-            <a:schemeClr val="tx1"/>
-          </a:fontRef>
-        </p:style>
-      </p:cxnSp>
-      <p:sp>
-        <p:nvSpPr>
-          <p:cNvPr id="31" name="左右箭头 30"/>
-          <p:cNvSpPr/>
-          <p:nvPr/>
-        </p:nvSpPr>
-        <p:spPr>
-          <a:xfrm>
-            <a:off x="4815554" y="2418460"/>
-            <a:ext cx="2820112" cy="581114"/>
-          </a:xfrm>
-          <a:prstGeom prst="leftRightArrow">
-            <a:avLst/>
-          </a:prstGeom>
-        </p:spPr>
-        <p:style>
-          <a:lnRef idx="2">
-            <a:schemeClr val="accent4">
-              <a:shade val="50000"/>
-            </a:schemeClr>
-          </a:lnRef>
-          <a:fillRef idx="1">
-            <a:schemeClr val="accent4"/>
-          </a:fillRef>
-          <a:effectRef idx="0">
-            <a:schemeClr val="accent4"/>
-          </a:effectRef>
-          <a:fontRef idx="minor">
-            <a:schemeClr val="lt1"/>
-          </a:fontRef>
-        </p:style>
-        <p:txBody>
-          <a:bodyPr rtlCol="0" anchor="ctr"/>
-          <a:lstStyle/>
-          <a:p>
-            <a:pPr algn="ctr"/>
-            <a:r>
-              <a:rPr lang="zh-CN" altLang="en-US" sz="1000" dirty="0" smtClean="0">
-                <a:ln w="0"/>
-                <a:solidFill>
-                  <a:schemeClr val="tx1"/>
-                </a:solidFill>
-                <a:effectLst>
-                  <a:outerShdw blurRad="38100" dist="19050" dir="2700000" algn="tl" rotWithShape="0">
-                    <a:schemeClr val="dk1">
-                      <a:alpha val="40000"/>
-                    </a:schemeClr>
-                  </a:outerShdw>
-                </a:effectLst>
-              </a:rPr>
-              <a:t>双向数据绑定</a:t>
-            </a:r>
-            <a:endParaRPr lang="zh-CN" altLang="en-US" sz="1000" dirty="0">
-              <a:ln w="0"/>
-              <a:solidFill>
-                <a:schemeClr val="tx1"/>
-              </a:solidFill>
-              <a:effectLst>
-                <a:outerShdw blurRad="38100" dist="19050" dir="2700000" algn="tl" rotWithShape="0">
-                  <a:schemeClr val="dk1">
-                    <a:alpha val="40000"/>
-                  </a:schemeClr>
-                </a:outerShdw>
-              </a:effectLst>
-            </a:endParaRPr>
-          </a:p>
-        </p:txBody>
-      </p:sp>
-    </p:spTree>
-    <p:extLst>
-      <p:ext uri="{BB962C8B-B14F-4D97-AF65-F5344CB8AC3E}">
-        <p14:creationId xmlns:p14="http://schemas.microsoft.com/office/powerpoint/2010/main" val="802190148"/>
-      </p:ext>
-    </p:extLst>
-  </p:cSld>
-  <p:clrMapOvr>
-    <a:masterClrMapping/>
-  </p:clrMapOvr>
-</p:sld>
-</file>
-
 <file path=ppt/slides/slide4.xml><?xml version="1.0" encoding="utf-8"?>
 <p:sld xmlns:a="http://schemas.openxmlformats.org/drawingml/2006/main" xmlns:r="http://schemas.openxmlformats.org/officeDocument/2006/relationships" xmlns:p="http://schemas.openxmlformats.org/presentationml/2006/main">
   <p:cSld>
@@ -5377,6 +6304,609 @@
       </p:grpSpPr>
       <p:sp>
         <p:nvSpPr>
+          <p:cNvPr id="4" name="圆角矩形 3"/>
+          <p:cNvSpPr/>
+          <p:nvPr/>
+        </p:nvSpPr>
+        <p:spPr>
+          <a:xfrm>
+            <a:off x="1516876" y="1615156"/>
+            <a:ext cx="3059395" cy="2213360"/>
+          </a:xfrm>
+          <a:prstGeom prst="roundRect">
+            <a:avLst/>
+          </a:prstGeom>
+        </p:spPr>
+        <p:style>
+          <a:lnRef idx="2">
+            <a:schemeClr val="accent6">
+              <a:shade val="50000"/>
+            </a:schemeClr>
+          </a:lnRef>
+          <a:fillRef idx="1">
+            <a:schemeClr val="accent6"/>
+          </a:fillRef>
+          <a:effectRef idx="0">
+            <a:schemeClr val="accent6"/>
+          </a:effectRef>
+          <a:fontRef idx="minor">
+            <a:schemeClr val="lt1"/>
+          </a:fontRef>
+        </p:style>
+        <p:txBody>
+          <a:bodyPr rtlCol="0" anchor="ctr"/>
+          <a:lstStyle/>
+          <a:p>
+            <a:pPr algn="ctr"/>
+            <a:endParaRPr lang="zh-CN" altLang="en-US" dirty="0"/>
+          </a:p>
+        </p:txBody>
+      </p:sp>
+      <p:sp>
+        <p:nvSpPr>
+          <p:cNvPr id="5" name="圆角矩形 4"/>
+          <p:cNvSpPr/>
+          <p:nvPr/>
+        </p:nvSpPr>
+        <p:spPr>
+          <a:xfrm>
+            <a:off x="2341548" y="1841620"/>
+            <a:ext cx="1410056" cy="401653"/>
+          </a:xfrm>
+          <a:prstGeom prst="roundRect">
+            <a:avLst/>
+          </a:prstGeom>
+        </p:spPr>
+        <p:style>
+          <a:lnRef idx="2">
+            <a:schemeClr val="accent4">
+              <a:shade val="50000"/>
+            </a:schemeClr>
+          </a:lnRef>
+          <a:fillRef idx="1">
+            <a:schemeClr val="accent4"/>
+          </a:fillRef>
+          <a:effectRef idx="0">
+            <a:schemeClr val="accent4"/>
+          </a:effectRef>
+          <a:fontRef idx="minor">
+            <a:schemeClr val="lt1"/>
+          </a:fontRef>
+        </p:style>
+        <p:txBody>
+          <a:bodyPr rtlCol="0" anchor="ctr"/>
+          <a:lstStyle/>
+          <a:p>
+            <a:pPr algn="ctr"/>
+            <a:r>
+              <a:rPr lang="en-US" altLang="zh-CN" dirty="0" smtClean="0"/>
+              <a:t>JavaBean</a:t>
+            </a:r>
+          </a:p>
+        </p:txBody>
+      </p:sp>
+      <p:sp>
+        <p:nvSpPr>
+          <p:cNvPr id="6" name="圆角矩形 5"/>
+          <p:cNvSpPr/>
+          <p:nvPr/>
+        </p:nvSpPr>
+        <p:spPr>
+          <a:xfrm>
+            <a:off x="2341548" y="2328730"/>
+            <a:ext cx="1410056" cy="401653"/>
+          </a:xfrm>
+          <a:prstGeom prst="roundRect">
+            <a:avLst/>
+          </a:prstGeom>
+        </p:spPr>
+        <p:style>
+          <a:lnRef idx="2">
+            <a:schemeClr val="accent4">
+              <a:shade val="50000"/>
+            </a:schemeClr>
+          </a:lnRef>
+          <a:fillRef idx="1">
+            <a:schemeClr val="accent4"/>
+          </a:fillRef>
+          <a:effectRef idx="0">
+            <a:schemeClr val="accent4"/>
+          </a:effectRef>
+          <a:fontRef idx="minor">
+            <a:schemeClr val="lt1"/>
+          </a:fontRef>
+        </p:style>
+        <p:txBody>
+          <a:bodyPr rtlCol="0" anchor="ctr"/>
+          <a:lstStyle/>
+          <a:p>
+            <a:pPr algn="ctr"/>
+            <a:r>
+              <a:rPr lang="en-US" altLang="zh-CN" dirty="0" smtClean="0"/>
+              <a:t>POJO</a:t>
+            </a:r>
+          </a:p>
+        </p:txBody>
+      </p:sp>
+      <p:sp>
+        <p:nvSpPr>
+          <p:cNvPr id="7" name="圆角矩形 6"/>
+          <p:cNvSpPr/>
+          <p:nvPr/>
+        </p:nvSpPr>
+        <p:spPr>
+          <a:xfrm>
+            <a:off x="7879219" y="1615156"/>
+            <a:ext cx="3059395" cy="2213360"/>
+          </a:xfrm>
+          <a:prstGeom prst="roundRect">
+            <a:avLst/>
+          </a:prstGeom>
+        </p:spPr>
+        <p:style>
+          <a:lnRef idx="2">
+            <a:schemeClr val="accent6">
+              <a:shade val="50000"/>
+            </a:schemeClr>
+          </a:lnRef>
+          <a:fillRef idx="1">
+            <a:schemeClr val="accent6"/>
+          </a:fillRef>
+          <a:effectRef idx="0">
+            <a:schemeClr val="accent6"/>
+          </a:effectRef>
+          <a:fontRef idx="minor">
+            <a:schemeClr val="lt1"/>
+          </a:fontRef>
+        </p:style>
+        <p:txBody>
+          <a:bodyPr rtlCol="0" anchor="ctr"/>
+          <a:lstStyle/>
+          <a:p>
+            <a:pPr algn="ctr"/>
+            <a:endParaRPr lang="zh-CN" altLang="en-US"/>
+          </a:p>
+        </p:txBody>
+      </p:sp>
+      <p:sp>
+        <p:nvSpPr>
+          <p:cNvPr id="8" name="圆角矩形 7"/>
+          <p:cNvSpPr/>
+          <p:nvPr/>
+        </p:nvSpPr>
+        <p:spPr>
+          <a:xfrm>
+            <a:off x="8614160" y="1854438"/>
+            <a:ext cx="1589518" cy="410198"/>
+          </a:xfrm>
+          <a:prstGeom prst="roundRect">
+            <a:avLst/>
+          </a:prstGeom>
+        </p:spPr>
+        <p:style>
+          <a:lnRef idx="2">
+            <a:schemeClr val="accent4">
+              <a:shade val="50000"/>
+            </a:schemeClr>
+          </a:lnRef>
+          <a:fillRef idx="1">
+            <a:schemeClr val="accent4"/>
+          </a:fillRef>
+          <a:effectRef idx="0">
+            <a:schemeClr val="accent4"/>
+          </a:effectRef>
+          <a:fontRef idx="minor">
+            <a:schemeClr val="lt1"/>
+          </a:fontRef>
+        </p:style>
+        <p:txBody>
+          <a:bodyPr rtlCol="0" anchor="ctr"/>
+          <a:lstStyle/>
+          <a:p>
+            <a:pPr algn="ctr"/>
+            <a:r>
+              <a:rPr lang="en-US" altLang="zh-CN" dirty="0" smtClean="0"/>
+              <a:t>&lt;data&gt;</a:t>
+            </a:r>
+            <a:endParaRPr lang="zh-CN" altLang="en-US" dirty="0"/>
+          </a:p>
+        </p:txBody>
+      </p:sp>
+      <p:sp>
+        <p:nvSpPr>
+          <p:cNvPr id="9" name="圆角矩形 8"/>
+          <p:cNvSpPr/>
+          <p:nvPr/>
+        </p:nvSpPr>
+        <p:spPr>
+          <a:xfrm>
+            <a:off x="8597069" y="2341548"/>
+            <a:ext cx="1589518" cy="410198"/>
+          </a:xfrm>
+          <a:prstGeom prst="roundRect">
+            <a:avLst/>
+          </a:prstGeom>
+        </p:spPr>
+        <p:style>
+          <a:lnRef idx="2">
+            <a:schemeClr val="accent4">
+              <a:shade val="50000"/>
+            </a:schemeClr>
+          </a:lnRef>
+          <a:fillRef idx="1">
+            <a:schemeClr val="accent4"/>
+          </a:fillRef>
+          <a:effectRef idx="0">
+            <a:schemeClr val="accent4"/>
+          </a:effectRef>
+          <a:fontRef idx="minor">
+            <a:schemeClr val="lt1"/>
+          </a:fontRef>
+        </p:style>
+        <p:txBody>
+          <a:bodyPr rtlCol="0" anchor="ctr"/>
+          <a:lstStyle/>
+          <a:p>
+            <a:pPr algn="ctr"/>
+            <a:r>
+              <a:rPr lang="en-US" altLang="zh-CN" dirty="0" smtClean="0"/>
+              <a:t>View</a:t>
+            </a:r>
+          </a:p>
+        </p:txBody>
+      </p:sp>
+      <p:sp>
+        <p:nvSpPr>
+          <p:cNvPr id="10" name="矩形 9"/>
+          <p:cNvSpPr/>
+          <p:nvPr/>
+        </p:nvSpPr>
+        <p:spPr>
+          <a:xfrm>
+            <a:off x="5076201" y="324740"/>
+            <a:ext cx="2238999" cy="717847"/>
+          </a:xfrm>
+          <a:prstGeom prst="rect">
+            <a:avLst/>
+          </a:prstGeom>
+        </p:spPr>
+        <p:style>
+          <a:lnRef idx="1">
+            <a:schemeClr val="accent2"/>
+          </a:lnRef>
+          <a:fillRef idx="3">
+            <a:schemeClr val="accent2"/>
+          </a:fillRef>
+          <a:effectRef idx="2">
+            <a:schemeClr val="accent2"/>
+          </a:effectRef>
+          <a:fontRef idx="minor">
+            <a:schemeClr val="lt1"/>
+          </a:fontRef>
+        </p:style>
+        <p:txBody>
+          <a:bodyPr rtlCol="0" anchor="ctr"/>
+          <a:lstStyle/>
+          <a:p>
+            <a:pPr algn="ctr"/>
+            <a:r>
+              <a:rPr lang="en-US" altLang="zh-CN" dirty="0" err="1" smtClean="0"/>
+              <a:t>ActivityMainBinding</a:t>
+            </a:r>
+            <a:endParaRPr lang="zh-CN" altLang="en-US" dirty="0"/>
+          </a:p>
+        </p:txBody>
+      </p:sp>
+      <p:sp>
+        <p:nvSpPr>
+          <p:cNvPr id="11" name="矩形 10"/>
+          <p:cNvSpPr/>
+          <p:nvPr/>
+        </p:nvSpPr>
+        <p:spPr>
+          <a:xfrm>
+            <a:off x="5161660" y="4178893"/>
+            <a:ext cx="2068082" cy="615298"/>
+          </a:xfrm>
+          <a:prstGeom prst="rect">
+            <a:avLst/>
+          </a:prstGeom>
+        </p:spPr>
+        <p:style>
+          <a:lnRef idx="1">
+            <a:schemeClr val="accent1"/>
+          </a:lnRef>
+          <a:fillRef idx="3">
+            <a:schemeClr val="accent1"/>
+          </a:fillRef>
+          <a:effectRef idx="2">
+            <a:schemeClr val="accent1"/>
+          </a:effectRef>
+          <a:fontRef idx="minor">
+            <a:schemeClr val="lt1"/>
+          </a:fontRef>
+        </p:style>
+        <p:txBody>
+          <a:bodyPr rtlCol="0" anchor="ctr"/>
+          <a:lstStyle/>
+          <a:p>
+            <a:pPr algn="ctr"/>
+            <a:r>
+              <a:rPr lang="en-US" altLang="zh-CN" dirty="0" err="1" smtClean="0"/>
+              <a:t>MainActivity</a:t>
+            </a:r>
+            <a:endParaRPr lang="en-US" altLang="zh-CN" dirty="0" smtClean="0"/>
+          </a:p>
+        </p:txBody>
+      </p:sp>
+      <p:sp>
+        <p:nvSpPr>
+          <p:cNvPr id="14" name="文本框 13"/>
+          <p:cNvSpPr txBox="1"/>
+          <p:nvPr/>
+        </p:nvSpPr>
+        <p:spPr>
+          <a:xfrm>
+            <a:off x="2300951" y="3459184"/>
+            <a:ext cx="1491243" cy="369332"/>
+          </a:xfrm>
+          <a:prstGeom prst="rect">
+            <a:avLst/>
+          </a:prstGeom>
+          <a:noFill/>
+        </p:spPr>
+        <p:txBody>
+          <a:bodyPr wrap="square" rtlCol="0">
+            <a:spAutoFit/>
+          </a:bodyPr>
+          <a:lstStyle/>
+          <a:p>
+            <a:r>
+              <a:rPr lang="en-US" altLang="zh-CN" dirty="0" err="1" smtClean="0"/>
+              <a:t>ViewModule</a:t>
+            </a:r>
+            <a:endParaRPr lang="zh-CN" altLang="en-US" dirty="0"/>
+          </a:p>
+        </p:txBody>
+      </p:sp>
+      <p:sp>
+        <p:nvSpPr>
+          <p:cNvPr id="15" name="文本框 14"/>
+          <p:cNvSpPr txBox="1"/>
+          <p:nvPr/>
+        </p:nvSpPr>
+        <p:spPr>
+          <a:xfrm>
+            <a:off x="8663296" y="3459184"/>
+            <a:ext cx="1491243" cy="369332"/>
+          </a:xfrm>
+          <a:prstGeom prst="rect">
+            <a:avLst/>
+          </a:prstGeom>
+          <a:noFill/>
+        </p:spPr>
+        <p:txBody>
+          <a:bodyPr wrap="square" rtlCol="0">
+            <a:spAutoFit/>
+          </a:bodyPr>
+          <a:lstStyle/>
+          <a:p>
+            <a:r>
+              <a:rPr lang="en-US" altLang="zh-CN" dirty="0" err="1" smtClean="0"/>
+              <a:t>Activity_main</a:t>
+            </a:r>
+            <a:endParaRPr lang="zh-CN" altLang="en-US" dirty="0"/>
+          </a:p>
+        </p:txBody>
+      </p:sp>
+      <p:cxnSp>
+        <p:nvCxnSpPr>
+          <p:cNvPr id="17" name="直接箭头连接符 16"/>
+          <p:cNvCxnSpPr>
+            <a:stCxn id="7" idx="1"/>
+            <a:endCxn id="10" idx="2"/>
+          </p:cNvCxnSpPr>
+          <p:nvPr/>
+        </p:nvCxnSpPr>
+        <p:spPr>
+          <a:xfrm flipH="1" flipV="1">
+            <a:off x="6195701" y="1042587"/>
+            <a:ext cx="1683518" cy="1679249"/>
+          </a:xfrm>
+          <a:prstGeom prst="straightConnector1">
+            <a:avLst/>
+          </a:prstGeom>
+          <a:ln>
+            <a:tailEnd type="triangle"/>
+          </a:ln>
+        </p:spPr>
+        <p:style>
+          <a:lnRef idx="3">
+            <a:schemeClr val="accent5"/>
+          </a:lnRef>
+          <a:fillRef idx="0">
+            <a:schemeClr val="accent5"/>
+          </a:fillRef>
+          <a:effectRef idx="2">
+            <a:schemeClr val="accent5"/>
+          </a:effectRef>
+          <a:fontRef idx="minor">
+            <a:schemeClr val="tx1"/>
+          </a:fontRef>
+        </p:style>
+      </p:cxnSp>
+      <p:cxnSp>
+        <p:nvCxnSpPr>
+          <p:cNvPr id="19" name="直接箭头连接符 18"/>
+          <p:cNvCxnSpPr>
+            <a:stCxn id="10" idx="2"/>
+            <a:endCxn id="11" idx="0"/>
+          </p:cNvCxnSpPr>
+          <p:nvPr/>
+        </p:nvCxnSpPr>
+        <p:spPr>
+          <a:xfrm>
+            <a:off x="6195701" y="1042587"/>
+            <a:ext cx="0" cy="3136306"/>
+          </a:xfrm>
+          <a:prstGeom prst="straightConnector1">
+            <a:avLst/>
+          </a:prstGeom>
+          <a:ln>
+            <a:tailEnd type="triangle"/>
+          </a:ln>
+        </p:spPr>
+        <p:style>
+          <a:lnRef idx="3">
+            <a:schemeClr val="accent5"/>
+          </a:lnRef>
+          <a:fillRef idx="0">
+            <a:schemeClr val="accent5"/>
+          </a:fillRef>
+          <a:effectRef idx="2">
+            <a:schemeClr val="accent5"/>
+          </a:effectRef>
+          <a:fontRef idx="minor">
+            <a:schemeClr val="tx1"/>
+          </a:fontRef>
+        </p:style>
+      </p:cxnSp>
+      <p:cxnSp>
+        <p:nvCxnSpPr>
+          <p:cNvPr id="21" name="直接箭头连接符 20"/>
+          <p:cNvCxnSpPr>
+            <a:stCxn id="4" idx="3"/>
+            <a:endCxn id="11" idx="0"/>
+          </p:cNvCxnSpPr>
+          <p:nvPr/>
+        </p:nvCxnSpPr>
+        <p:spPr>
+          <a:xfrm>
+            <a:off x="4576271" y="2721836"/>
+            <a:ext cx="1619430" cy="1457057"/>
+          </a:xfrm>
+          <a:prstGeom prst="straightConnector1">
+            <a:avLst/>
+          </a:prstGeom>
+          <a:ln>
+            <a:tailEnd type="triangle"/>
+          </a:ln>
+        </p:spPr>
+        <p:style>
+          <a:lnRef idx="3">
+            <a:schemeClr val="accent5"/>
+          </a:lnRef>
+          <a:fillRef idx="0">
+            <a:schemeClr val="accent5"/>
+          </a:fillRef>
+          <a:effectRef idx="2">
+            <a:schemeClr val="accent5"/>
+          </a:effectRef>
+          <a:fontRef idx="minor">
+            <a:schemeClr val="tx1"/>
+          </a:fontRef>
+        </p:style>
+      </p:cxnSp>
+      <p:sp>
+        <p:nvSpPr>
+          <p:cNvPr id="31" name="左右箭头 30"/>
+          <p:cNvSpPr/>
+          <p:nvPr/>
+        </p:nvSpPr>
+        <p:spPr>
+          <a:xfrm>
+            <a:off x="4815554" y="2418460"/>
+            <a:ext cx="2820112" cy="581114"/>
+          </a:xfrm>
+          <a:prstGeom prst="leftRightArrow">
+            <a:avLst/>
+          </a:prstGeom>
+        </p:spPr>
+        <p:style>
+          <a:lnRef idx="2">
+            <a:schemeClr val="accent4">
+              <a:shade val="50000"/>
+            </a:schemeClr>
+          </a:lnRef>
+          <a:fillRef idx="1">
+            <a:schemeClr val="accent4"/>
+          </a:fillRef>
+          <a:effectRef idx="0">
+            <a:schemeClr val="accent4"/>
+          </a:effectRef>
+          <a:fontRef idx="minor">
+            <a:schemeClr val="lt1"/>
+          </a:fontRef>
+        </p:style>
+        <p:txBody>
+          <a:bodyPr rtlCol="0" anchor="ctr"/>
+          <a:lstStyle/>
+          <a:p>
+            <a:pPr algn="ctr"/>
+            <a:r>
+              <a:rPr lang="zh-CN" altLang="en-US" sz="1000" dirty="0" smtClean="0">
+                <a:ln w="0"/>
+                <a:solidFill>
+                  <a:schemeClr val="tx1"/>
+                </a:solidFill>
+                <a:effectLst>
+                  <a:outerShdw blurRad="38100" dist="19050" dir="2700000" algn="tl" rotWithShape="0">
+                    <a:schemeClr val="dk1">
+                      <a:alpha val="40000"/>
+                    </a:schemeClr>
+                  </a:outerShdw>
+                </a:effectLst>
+              </a:rPr>
+              <a:t>双向数据绑定</a:t>
+            </a:r>
+            <a:endParaRPr lang="zh-CN" altLang="en-US" sz="1000" dirty="0">
+              <a:ln w="0"/>
+              <a:solidFill>
+                <a:schemeClr val="tx1"/>
+              </a:solidFill>
+              <a:effectLst>
+                <a:outerShdw blurRad="38100" dist="19050" dir="2700000" algn="tl" rotWithShape="0">
+                  <a:schemeClr val="dk1">
+                    <a:alpha val="40000"/>
+                  </a:schemeClr>
+                </a:outerShdw>
+              </a:effectLst>
+            </a:endParaRPr>
+          </a:p>
+        </p:txBody>
+      </p:sp>
+    </p:spTree>
+    <p:extLst>
+      <p:ext uri="{BB962C8B-B14F-4D97-AF65-F5344CB8AC3E}">
+        <p14:creationId xmlns:p14="http://schemas.microsoft.com/office/powerpoint/2010/main" val="802190148"/>
+      </p:ext>
+    </p:extLst>
+  </p:cSld>
+  <p:clrMapOvr>
+    <a:masterClrMapping/>
+  </p:clrMapOvr>
+</p:sld>
+</file>
+
+<file path=ppt/slides/slide5.xml><?xml version="1.0" encoding="utf-8"?>
+<p:sld xmlns:a="http://schemas.openxmlformats.org/drawingml/2006/main" xmlns:r="http://schemas.openxmlformats.org/officeDocument/2006/relationships" xmlns:p="http://schemas.openxmlformats.org/presentationml/2006/main">
+  <p:cSld>
+    <p:spTree>
+      <p:nvGrpSpPr>
+        <p:cNvPr id="1" name=""/>
+        <p:cNvGrpSpPr/>
+        <p:nvPr/>
+      </p:nvGrpSpPr>
+      <p:grpSpPr>
+        <a:xfrm>
+          <a:off x="0" y="0"/>
+          <a:ext cx="0" cy="0"/>
+          <a:chOff x="0" y="0"/>
+          <a:chExt cx="0" cy="0"/>
+        </a:xfrm>
+      </p:grpSpPr>
+      <p:sp>
+        <p:nvSpPr>
           <p:cNvPr id="4" name="椭圆 3"/>
           <p:cNvSpPr/>
           <p:nvPr/>
@@ -5413,15 +6943,7 @@
             <a:pPr algn="ctr"/>
             <a:r>
               <a:rPr lang="en-US" altLang="zh-CN" sz="1400" dirty="0" err="1" smtClean="0"/>
-              <a:t>CameraMan</a:t>
-            </a:r>
-            <a:r>
-              <a:rPr lang="en-US" altLang="zh-CN" sz="1400" dirty="0" err="1" smtClean="0"/>
-              <a:t>a</a:t>
-            </a:r>
-            <a:r>
-              <a:rPr lang="en-US" altLang="zh-CN" sz="1400" dirty="0" err="1" smtClean="0"/>
-              <a:t>ger</a:t>
+              <a:t>CameraManager</a:t>
             </a:r>
             <a:endParaRPr lang="zh-CN" altLang="en-US" sz="1400" dirty="0"/>
           </a:p>
@@ -5679,7 +7201,7 @@
 </p:sld>
 </file>
 
-<file path=ppt/slides/slide5.xml><?xml version="1.0" encoding="utf-8"?>
+<file path=ppt/slides/slide6.xml><?xml version="1.0" encoding="utf-8"?>
 <p:sld xmlns:a="http://schemas.openxmlformats.org/drawingml/2006/main" xmlns:r="http://schemas.openxmlformats.org/officeDocument/2006/relationships" xmlns:p="http://schemas.openxmlformats.org/presentationml/2006/main">
   <p:cSld>
     <p:spTree>
